--- a/Exercise 3/Microsoft Design Patterns/Microsoft Design Patterns.pptx
+++ b/Exercise 3/Microsoft Design Patterns/Microsoft Design Patterns.pptx
@@ -8,6 +8,9 @@
     <p:sldId id="256" r:id="rId2"/>
     <p:sldId id="257" r:id="rId3"/>
     <p:sldId id="258" r:id="rId4"/>
+    <p:sldId id="259" r:id="rId5"/>
+    <p:sldId id="260" r:id="rId6"/>
+    <p:sldId id="261" r:id="rId7"/>
   </p:sldIdLst>
   <p:sldSz cx="12192000" cy="6858000"/>
   <p:notesSz cx="6858000" cy="9144000"/>
@@ -3618,26 +3621,326 @@
               <a:t>Το πρότυπο αυτό, σιγουρεύεται ότι οι χρήστες ενός οργανισμού ή μιας εταιρείας, θα μπορούν να εξασφαλίσουν την «ομοσπονδιακή ταυτότητά» τους. </a:t>
             </a:r>
           </a:p>
-          <a:p>
-            <a:pPr marL="0" indent="0">
-              <a:buNone/>
-            </a:pPr>
-            <a:r>
-              <a:rPr lang="el-GR" dirty="0"/>
-              <a:t>Ας υποθέσουμε, δηλαδή, ότι υπάρχει μια εταιρεία που χρησιμοποιεί διάφορες εφαρμογές. Χωρίς αυτό το πρότυπο, οι υπάλληλοι αυτής της εταιρείας, θα πρέπει να απομνημονεύουν όλους τους τους κωδικούς για κάθε εφαρμογή. </a:t>
-            </a:r>
-            <a:r>
-              <a:rPr lang="el-GR" b="1" dirty="0"/>
-              <a:t>Με το πρότυπο αυτό, οι υπάλληλοι θα πρέπει να θυμούνται το κωδικό τους μόνο σε ένα κεντρικό σύστημα, που θα τους δίνει πρόσβαση σε όλες τις εφαρμογές.</a:t>
-            </a:r>
-            <a:endParaRPr lang="en-US" b="1" dirty="0"/>
-          </a:p>
         </p:txBody>
       </p:sp>
     </p:spTree>
     <p:extLst>
       <p:ext uri="{BB962C8B-B14F-4D97-AF65-F5344CB8AC3E}">
         <p14:creationId xmlns:p14="http://schemas.microsoft.com/office/powerpoint/2010/main" val="450235005"/>
+      </p:ext>
+    </p:extLst>
+  </p:cSld>
+  <p:clrMapOvr>
+    <a:masterClrMapping/>
+  </p:clrMapOvr>
+</p:sld>
+</file>
+
+<file path=ppt/slides/slide4.xml><?xml version="1.0" encoding="utf-8"?>
+<p:sld xmlns:a="http://schemas.openxmlformats.org/drawingml/2006/main" xmlns:r="http://schemas.openxmlformats.org/officeDocument/2006/relationships" xmlns:p="http://schemas.openxmlformats.org/presentationml/2006/main">
+  <p:cSld>
+    <p:spTree>
+      <p:nvGrpSpPr>
+        <p:cNvPr id="1" name=""/>
+        <p:cNvGrpSpPr/>
+        <p:nvPr/>
+      </p:nvGrpSpPr>
+      <p:grpSpPr>
+        <a:xfrm>
+          <a:off x="0" y="0"/>
+          <a:ext cx="0" cy="0"/>
+          <a:chOff x="0" y="0"/>
+          <a:chExt cx="0" cy="0"/>
+        </a:xfrm>
+      </p:grpSpPr>
+      <p:sp>
+        <p:nvSpPr>
+          <p:cNvPr id="2" name="Title 1">
+            <a:extLst>
+              <a:ext uri="{FF2B5EF4-FFF2-40B4-BE49-F238E27FC236}">
+                <a16:creationId xmlns:a16="http://schemas.microsoft.com/office/drawing/2014/main" id="{5BBCE517-C62B-24B1-BC9C-16B2AA16BAFC}"/>
+              </a:ext>
+            </a:extLst>
+          </p:cNvPr>
+          <p:cNvSpPr>
+            <a:spLocks noGrp="1"/>
+          </p:cNvSpPr>
+          <p:nvPr>
+            <p:ph type="title"/>
+          </p:nvPr>
+        </p:nvSpPr>
+        <p:spPr/>
+        <p:txBody>
+          <a:bodyPr/>
+          <a:lstStyle/>
+          <a:p>
+            <a:r>
+              <a:rPr lang="el-GR" dirty="0"/>
+              <a:t>ΠΡΟΒΛΗΜΑΤΑ ΜΗ ΧΡΗΣΗΣ ΤΟΥ </a:t>
+            </a:r>
+            <a:r>
+              <a:rPr lang="en-US" dirty="0"/>
+              <a:t>FEDERATED IDENTITY PATTERN</a:t>
+            </a:r>
+          </a:p>
+        </p:txBody>
+      </p:sp>
+      <p:sp>
+        <p:nvSpPr>
+          <p:cNvPr id="4" name="Content Placeholder 3">
+            <a:extLst>
+              <a:ext uri="{FF2B5EF4-FFF2-40B4-BE49-F238E27FC236}">
+                <a16:creationId xmlns:a16="http://schemas.microsoft.com/office/drawing/2014/main" id="{72277CAF-0A8E-D9F2-E01F-8CA02D4F0A9E}"/>
+              </a:ext>
+            </a:extLst>
+          </p:cNvPr>
+          <p:cNvSpPr>
+            <a:spLocks noGrp="1"/>
+          </p:cNvSpPr>
+          <p:nvPr>
+            <p:ph idx="1"/>
+          </p:nvPr>
+        </p:nvSpPr>
+        <p:spPr/>
+        <p:txBody>
+          <a:bodyPr/>
+          <a:lstStyle/>
+          <a:p>
+            <a:pPr marL="0" indent="0">
+              <a:buNone/>
+            </a:pPr>
+            <a:r>
+              <a:rPr lang="el-GR" b="1" dirty="0"/>
+              <a:t>Πριν χρησιμοποιήσουμε αυτό το πρότυπο, θα παρατηρηθεί ότι μια εταιρεία (που χρησιμοποιεί πολλές διαφορετικές εφαρμογές) έχει τα εξής προβλήματα:</a:t>
+            </a:r>
+          </a:p>
+          <a:p>
+            <a:r>
+              <a:rPr lang="el-GR" dirty="0"/>
+              <a:t>Οι χρήστες της εφαρμογής θα πρέπει να απομνημονεύουν πολλούς κωδικούς.</a:t>
+            </a:r>
+          </a:p>
+          <a:p>
+            <a:r>
+              <a:rPr lang="el-GR" dirty="0"/>
+              <a:t>Όταν φεύγει ένας υπάλληλος, θα πρέπει να σβηστούν όλοι οι λογαριασμοί του.</a:t>
+            </a:r>
+          </a:p>
+          <a:p>
+            <a:r>
+              <a:rPr lang="el-GR" dirty="0"/>
+              <a:t>Ο δουλειά του διαχειριστή των λογαριασμών θα είναι πολύπλοκη.</a:t>
+            </a:r>
+          </a:p>
+          <a:p>
+            <a:endParaRPr lang="el-GR" dirty="0"/>
+          </a:p>
+          <a:p>
+            <a:endParaRPr lang="el-GR" dirty="0"/>
+          </a:p>
+          <a:p>
+            <a:endParaRPr lang="el-GR" dirty="0"/>
+          </a:p>
+          <a:p>
+            <a:endParaRPr lang="en-US" dirty="0"/>
+          </a:p>
+        </p:txBody>
+      </p:sp>
+    </p:spTree>
+    <p:extLst>
+      <p:ext uri="{BB962C8B-B14F-4D97-AF65-F5344CB8AC3E}">
+        <p14:creationId xmlns:p14="http://schemas.microsoft.com/office/powerpoint/2010/main" val="2188653655"/>
+      </p:ext>
+    </p:extLst>
+  </p:cSld>
+  <p:clrMapOvr>
+    <a:masterClrMapping/>
+  </p:clrMapOvr>
+</p:sld>
+</file>
+
+<file path=ppt/slides/slide5.xml><?xml version="1.0" encoding="utf-8"?>
+<p:sld xmlns:a="http://schemas.openxmlformats.org/drawingml/2006/main" xmlns:r="http://schemas.openxmlformats.org/officeDocument/2006/relationships" xmlns:p="http://schemas.openxmlformats.org/presentationml/2006/main">
+  <p:cSld>
+    <p:spTree>
+      <p:nvGrpSpPr>
+        <p:cNvPr id="1" name=""/>
+        <p:cNvGrpSpPr/>
+        <p:nvPr/>
+      </p:nvGrpSpPr>
+      <p:grpSpPr>
+        <a:xfrm>
+          <a:off x="0" y="0"/>
+          <a:ext cx="0" cy="0"/>
+          <a:chOff x="0" y="0"/>
+          <a:chExt cx="0" cy="0"/>
+        </a:xfrm>
+      </p:grpSpPr>
+      <p:sp>
+        <p:nvSpPr>
+          <p:cNvPr id="2" name="Title 1">
+            <a:extLst>
+              <a:ext uri="{FF2B5EF4-FFF2-40B4-BE49-F238E27FC236}">
+                <a16:creationId xmlns:a16="http://schemas.microsoft.com/office/drawing/2014/main" id="{35C58E56-8EDC-B088-EB79-7A665059E919}"/>
+              </a:ext>
+            </a:extLst>
+          </p:cNvPr>
+          <p:cNvSpPr>
+            <a:spLocks noGrp="1"/>
+          </p:cNvSpPr>
+          <p:nvPr>
+            <p:ph type="title"/>
+          </p:nvPr>
+        </p:nvSpPr>
+        <p:spPr/>
+        <p:txBody>
+          <a:bodyPr/>
+          <a:lstStyle/>
+          <a:p>
+            <a:r>
+              <a:rPr lang="el-GR" dirty="0"/>
+              <a:t>ΠΩΣ ΧΡΗΣΙΜΟΠΟΙΕΙΤΑΙ ΤΟ </a:t>
+            </a:r>
+            <a:r>
+              <a:rPr lang="en-US" dirty="0"/>
+              <a:t>FEDERATED IDENTITY PATTERN;</a:t>
+            </a:r>
+          </a:p>
+        </p:txBody>
+      </p:sp>
+      <p:sp>
+        <p:nvSpPr>
+          <p:cNvPr id="3" name="Content Placeholder 2">
+            <a:extLst>
+              <a:ext uri="{FF2B5EF4-FFF2-40B4-BE49-F238E27FC236}">
+                <a16:creationId xmlns:a16="http://schemas.microsoft.com/office/drawing/2014/main" id="{60564AFB-7D38-C605-FF9D-F1B303931481}"/>
+              </a:ext>
+            </a:extLst>
+          </p:cNvPr>
+          <p:cNvSpPr>
+            <a:spLocks noGrp="1"/>
+          </p:cNvSpPr>
+          <p:nvPr>
+            <p:ph idx="1"/>
+          </p:nvPr>
+        </p:nvSpPr>
+        <p:spPr/>
+        <p:txBody>
+          <a:bodyPr/>
+          <a:lstStyle/>
+          <a:p>
+            <a:r>
+              <a:rPr lang="el-GR" dirty="0"/>
+              <a:t>Φτιάχνοντας ένα κεντρικό σύστημα σύνδεσης και αποσύνδεσης χρηστών.</a:t>
+            </a:r>
+          </a:p>
+          <a:p>
+            <a:pPr marL="0" indent="0">
+              <a:buNone/>
+            </a:pPr>
+            <a:r>
+              <a:rPr lang="el-GR" dirty="0"/>
+              <a:t>Το σύστημα αυτό θα συνδέεται με όλες τις εφαρμογές, που χρησιμοποεί η εταιρεία. Επίσης, θα κρυπτογραφεί τους κωδικούς που χρησιμοποιούνται από κάθε χρήστη και θα τους εξασφαλίζει την «ομοσπονδιακή ταυτότητα».</a:t>
+            </a:r>
+          </a:p>
+        </p:txBody>
+      </p:sp>
+    </p:spTree>
+    <p:extLst>
+      <p:ext uri="{BB962C8B-B14F-4D97-AF65-F5344CB8AC3E}">
+        <p14:creationId xmlns:p14="http://schemas.microsoft.com/office/powerpoint/2010/main" val="2396199710"/>
+      </p:ext>
+    </p:extLst>
+  </p:cSld>
+  <p:clrMapOvr>
+    <a:masterClrMapping/>
+  </p:clrMapOvr>
+</p:sld>
+</file>
+
+<file path=ppt/slides/slide6.xml><?xml version="1.0" encoding="utf-8"?>
+<p:sld xmlns:a="http://schemas.openxmlformats.org/drawingml/2006/main" xmlns:r="http://schemas.openxmlformats.org/officeDocument/2006/relationships" xmlns:p="http://schemas.openxmlformats.org/presentationml/2006/main">
+  <p:cSld>
+    <p:spTree>
+      <p:nvGrpSpPr>
+        <p:cNvPr id="1" name=""/>
+        <p:cNvGrpSpPr/>
+        <p:nvPr/>
+      </p:nvGrpSpPr>
+      <p:grpSpPr>
+        <a:xfrm>
+          <a:off x="0" y="0"/>
+          <a:ext cx="0" cy="0"/>
+          <a:chOff x="0" y="0"/>
+          <a:chExt cx="0" cy="0"/>
+        </a:xfrm>
+      </p:grpSpPr>
+      <p:sp>
+        <p:nvSpPr>
+          <p:cNvPr id="2" name="Title 1">
+            <a:extLst>
+              <a:ext uri="{FF2B5EF4-FFF2-40B4-BE49-F238E27FC236}">
+                <a16:creationId xmlns:a16="http://schemas.microsoft.com/office/drawing/2014/main" id="{8E810CA0-37CA-60AF-112F-AD5C4ABC75BD}"/>
+              </a:ext>
+            </a:extLst>
+          </p:cNvPr>
+          <p:cNvSpPr>
+            <a:spLocks noGrp="1"/>
+          </p:cNvSpPr>
+          <p:nvPr>
+            <p:ph type="title"/>
+          </p:nvPr>
+        </p:nvSpPr>
+        <p:spPr/>
+        <p:txBody>
+          <a:bodyPr/>
+          <a:lstStyle/>
+          <a:p>
+            <a:r>
+              <a:rPr lang="el-GR" dirty="0"/>
+              <a:t>ΤΟ </a:t>
+            </a:r>
+            <a:r>
+              <a:rPr lang="en-US" dirty="0"/>
+              <a:t>FEDERATED IDENTITY PATTERN </a:t>
+            </a:r>
+            <a:r>
+              <a:rPr lang="el-GR"/>
+              <a:t>ΣΕ ΚΩΔΙΚΑ</a:t>
+            </a:r>
+            <a:endParaRPr lang="en-US"/>
+          </a:p>
+        </p:txBody>
+      </p:sp>
+      <p:sp>
+        <p:nvSpPr>
+          <p:cNvPr id="3" name="Content Placeholder 2">
+            <a:extLst>
+              <a:ext uri="{FF2B5EF4-FFF2-40B4-BE49-F238E27FC236}">
+                <a16:creationId xmlns:a16="http://schemas.microsoft.com/office/drawing/2014/main" id="{E5A9AF98-455B-FE96-7C86-AA21F10D43C0}"/>
+              </a:ext>
+            </a:extLst>
+          </p:cNvPr>
+          <p:cNvSpPr>
+            <a:spLocks noGrp="1"/>
+          </p:cNvSpPr>
+          <p:nvPr>
+            <p:ph idx="1"/>
+          </p:nvPr>
+        </p:nvSpPr>
+        <p:spPr/>
+        <p:txBody>
+          <a:bodyPr/>
+          <a:lstStyle/>
+          <a:p>
+            <a:endParaRPr lang="en-US"/>
+          </a:p>
+        </p:txBody>
+      </p:sp>
+    </p:spTree>
+    <p:extLst>
+      <p:ext uri="{BB962C8B-B14F-4D97-AF65-F5344CB8AC3E}">
+        <p14:creationId xmlns:p14="http://schemas.microsoft.com/office/powerpoint/2010/main" val="2093213371"/>
       </p:ext>
     </p:extLst>
   </p:cSld>

--- a/Exercise 3/Microsoft Design Patterns/Microsoft Design Patterns.pptx
+++ b/Exercise 3/Microsoft Design Patterns/Microsoft Design Patterns.pptx
@@ -11,6 +11,14 @@
     <p:sldId id="259" r:id="rId5"/>
     <p:sldId id="260" r:id="rId6"/>
     <p:sldId id="261" r:id="rId7"/>
+    <p:sldId id="262" r:id="rId8"/>
+    <p:sldId id="263" r:id="rId9"/>
+    <p:sldId id="264" r:id="rId10"/>
+    <p:sldId id="265" r:id="rId11"/>
+    <p:sldId id="266" r:id="rId12"/>
+    <p:sldId id="267" r:id="rId13"/>
+    <p:sldId id="268" r:id="rId14"/>
+    <p:sldId id="269" r:id="rId15"/>
   </p:sldIdLst>
   <p:sldSz cx="12192000" cy="6858000"/>
   <p:notesSz cx="6858000" cy="9144000"/>
@@ -3312,6 +3320,14 @@
 <file path=ppt/slides/slide1.xml><?xml version="1.0" encoding="utf-8"?>
 <p:sld xmlns:a="http://schemas.openxmlformats.org/drawingml/2006/main" xmlns:r="http://schemas.openxmlformats.org/officeDocument/2006/relationships" xmlns:p="http://schemas.openxmlformats.org/presentationml/2006/main">
   <p:cSld>
+    <p:bg>
+      <p:bgPr>
+        <a:solidFill>
+          <a:schemeClr val="bg1"/>
+        </a:solidFill>
+        <a:effectLst/>
+      </p:bgPr>
+    </p:bg>
     <p:spTree>
       <p:nvGrpSpPr>
         <p:cNvPr id="1" name=""/>
@@ -3326,6 +3342,131 @@
           <a:chExt cx="0" cy="0"/>
         </a:xfrm>
       </p:grpSpPr>
+      <p:sp useBgFill="1">
+        <p:nvSpPr>
+          <p:cNvPr id="39" name="Rectangle 26">
+            <a:extLst>
+              <a:ext uri="{FF2B5EF4-FFF2-40B4-BE49-F238E27FC236}">
+                <a16:creationId xmlns:a16="http://schemas.microsoft.com/office/drawing/2014/main" id="{0B3B9DBC-97CC-4A18-B4A6-66E240292269}"/>
+              </a:ext>
+              <a:ext uri="{C183D7F6-B498-43B3-948B-1728B52AA6E4}">
+                <adec:decorative xmlns:adec="http://schemas.microsoft.com/office/drawing/2017/decorative" val="1"/>
+              </a:ext>
+            </a:extLst>
+          </p:cNvPr>
+          <p:cNvSpPr>
+            <a:spLocks noGrp="1" noRot="1" noChangeAspect="1" noMove="1" noResize="1" noEditPoints="1" noAdjustHandles="1" noChangeArrowheads="1" noChangeShapeType="1" noTextEdit="1"/>
+          </p:cNvSpPr>
+          <p:nvPr>
+            <p:extLst>
+              <p:ext uri="{386F3935-93C4-4BCD-93E2-E3B085C9AB24}">
+                <p16:designElem xmlns:p16="http://schemas.microsoft.com/office/powerpoint/2015/main" val="1"/>
+              </p:ext>
+            </p:extLst>
+          </p:nvPr>
+        </p:nvSpPr>
+        <p:spPr>
+          <a:xfrm>
+            <a:off x="0" y="0"/>
+            <a:ext cx="12188952" cy="6858000"/>
+          </a:xfrm>
+          <a:prstGeom prst="rect">
+            <a:avLst/>
+          </a:prstGeom>
+          <a:ln>
+            <a:noFill/>
+          </a:ln>
+        </p:spPr>
+        <p:style>
+          <a:lnRef idx="2">
+            <a:schemeClr val="accent1">
+              <a:shade val="50000"/>
+            </a:schemeClr>
+          </a:lnRef>
+          <a:fillRef idx="1">
+            <a:schemeClr val="accent1"/>
+          </a:fillRef>
+          <a:effectRef idx="0">
+            <a:schemeClr val="accent1"/>
+          </a:effectRef>
+          <a:fontRef idx="minor">
+            <a:schemeClr val="lt1"/>
+          </a:fontRef>
+        </p:style>
+        <p:txBody>
+          <a:bodyPr rtlCol="0" anchor="ctr"/>
+          <a:lstStyle/>
+          <a:p>
+            <a:pPr algn="ctr"/>
+            <a:endParaRPr lang="en-US"/>
+          </a:p>
+        </p:txBody>
+      </p:sp>
+      <p:sp>
+        <p:nvSpPr>
+          <p:cNvPr id="40" name="Rectangle 28">
+            <a:extLst>
+              <a:ext uri="{FF2B5EF4-FFF2-40B4-BE49-F238E27FC236}">
+                <a16:creationId xmlns:a16="http://schemas.microsoft.com/office/drawing/2014/main" id="{F4492644-1D84-449E-94E4-5FC5C873D32E}"/>
+              </a:ext>
+              <a:ext uri="{C183D7F6-B498-43B3-948B-1728B52AA6E4}">
+                <adec:decorative xmlns:adec="http://schemas.microsoft.com/office/drawing/2017/decorative" val="1"/>
+              </a:ext>
+            </a:extLst>
+          </p:cNvPr>
+          <p:cNvSpPr>
+            <a:spLocks noGrp="1" noRot="1" noChangeAspect="1" noMove="1" noResize="1" noEditPoints="1" noAdjustHandles="1" noChangeArrowheads="1" noChangeShapeType="1" noTextEdit="1"/>
+          </p:cNvSpPr>
+          <p:nvPr>
+            <p:extLst>
+              <p:ext uri="{386F3935-93C4-4BCD-93E2-E3B085C9AB24}">
+                <p16:designElem xmlns:p16="http://schemas.microsoft.com/office/powerpoint/2015/main" val="1"/>
+              </p:ext>
+            </p:extLst>
+          </p:nvPr>
+        </p:nvSpPr>
+        <p:spPr>
+          <a:xfrm>
+            <a:off x="-3048" y="227"/>
+            <a:ext cx="12188952" cy="4551895"/>
+          </a:xfrm>
+          <a:prstGeom prst="rect">
+            <a:avLst/>
+          </a:prstGeom>
+          <a:solidFill>
+            <a:schemeClr val="accent1">
+              <a:lumMod val="50000"/>
+            </a:schemeClr>
+          </a:solidFill>
+          <a:ln>
+            <a:noFill/>
+          </a:ln>
+        </p:spPr>
+        <p:style>
+          <a:lnRef idx="2">
+            <a:schemeClr val="accent1">
+              <a:shade val="50000"/>
+            </a:schemeClr>
+          </a:lnRef>
+          <a:fillRef idx="1">
+            <a:schemeClr val="accent1"/>
+          </a:fillRef>
+          <a:effectRef idx="0">
+            <a:schemeClr val="accent1"/>
+          </a:effectRef>
+          <a:fontRef idx="minor">
+            <a:schemeClr val="lt1"/>
+          </a:fontRef>
+        </p:style>
+        <p:txBody>
+          <a:bodyPr rtlCol="0" anchor="ctr"/>
+          <a:lstStyle/>
+          <a:p>
+            <a:pPr algn="ctr"/>
+            <a:endParaRPr lang="en-US"/>
+          </a:p>
+        </p:txBody>
+      </p:sp>
       <p:sp>
         <p:nvSpPr>
           <p:cNvPr id="2" name="Title 1">
@@ -3342,16 +3483,288 @@
             <p:ph type="ctrTitle"/>
           </p:nvPr>
         </p:nvSpPr>
-        <p:spPr/>
-        <p:txBody>
-          <a:bodyPr/>
-          <a:lstStyle/>
-          <a:p>
-            <a:r>
-              <a:rPr lang="el-GR" dirty="0"/>
-              <a:t>Πρότυπα Ανάπτυξης Λογισμικού</a:t>
-            </a:r>
-            <a:endParaRPr lang="en-US" dirty="0"/>
+        <p:spPr>
+          <a:xfrm>
+            <a:off x="795342" y="637953"/>
+            <a:ext cx="8272458" cy="3189507"/>
+          </a:xfrm>
+        </p:spPr>
+        <p:txBody>
+          <a:bodyPr>
+            <a:normAutofit/>
+          </a:bodyPr>
+          <a:lstStyle/>
+          <a:p>
+            <a:pPr algn="l"/>
+            <a:r>
+              <a:rPr lang="el-GR" sz="7400">
+                <a:solidFill>
+                  <a:srgbClr val="FFFFFF"/>
+                </a:solidFill>
+              </a:rPr>
+              <a:t> ΠΡΟΤΥΠΑ ΑΝΑΠΤΥΞΗΣ ΛΟΓΙΣΜΙΚΟΥ</a:t>
+            </a:r>
+            <a:endParaRPr lang="en-US" sz="7400">
+              <a:solidFill>
+                <a:srgbClr val="FFFFFF"/>
+              </a:solidFill>
+            </a:endParaRPr>
+          </a:p>
+        </p:txBody>
+      </p:sp>
+      <p:sp>
+        <p:nvSpPr>
+          <p:cNvPr id="41" name="Freeform 6">
+            <a:extLst>
+              <a:ext uri="{FF2B5EF4-FFF2-40B4-BE49-F238E27FC236}">
+                <a16:creationId xmlns:a16="http://schemas.microsoft.com/office/drawing/2014/main" id="{94EE1A74-DEBF-434E-8B5E-7AB296ECBE08}"/>
+              </a:ext>
+              <a:ext uri="{C183D7F6-B498-43B3-948B-1728B52AA6E4}">
+                <adec:decorative xmlns:adec="http://schemas.microsoft.com/office/drawing/2017/decorative" val="1"/>
+              </a:ext>
+            </a:extLst>
+          </p:cNvPr>
+          <p:cNvSpPr>
+            <a:spLocks noGrp="1" noRot="1" noChangeAspect="1" noMove="1" noResize="1" noEditPoints="1" noAdjustHandles="1" noChangeArrowheads="1" noChangeShapeType="1" noTextEdit="1"/>
+          </p:cNvSpPr>
+          <p:nvPr>
+            <p:extLst>
+              <p:ext uri="{386F3935-93C4-4BCD-93E2-E3B085C9AB24}">
+                <p16:designElem xmlns:p16="http://schemas.microsoft.com/office/powerpoint/2015/main" val="1"/>
+              </p:ext>
+            </p:extLst>
+          </p:nvPr>
+        </p:nvSpPr>
+        <p:spPr bwMode="auto">
+          <a:xfrm>
+            <a:off x="8727747" y="4208147"/>
+            <a:ext cx="339126" cy="1938528"/>
+          </a:xfrm>
+          <a:custGeom>
+            <a:avLst/>
+            <a:gdLst>
+              <a:gd name="T0" fmla="*/ 414 w 414"/>
+              <a:gd name="T1" fmla="*/ 2447 h 2447"/>
+              <a:gd name="T2" fmla="*/ 0 w 414"/>
+              <a:gd name="T3" fmla="*/ 2247 h 2447"/>
+              <a:gd name="T4" fmla="*/ 0 w 414"/>
+              <a:gd name="T5" fmla="*/ 0 h 2447"/>
+              <a:gd name="T6" fmla="*/ 414 w 414"/>
+              <a:gd name="T7" fmla="*/ 200 h 2447"/>
+              <a:gd name="T8" fmla="*/ 414 w 414"/>
+              <a:gd name="T9" fmla="*/ 2447 h 2447"/>
+            </a:gdLst>
+            <a:ahLst/>
+            <a:cxnLst>
+              <a:cxn ang="0">
+                <a:pos x="T0" y="T1"/>
+              </a:cxn>
+              <a:cxn ang="0">
+                <a:pos x="T2" y="T3"/>
+              </a:cxn>
+              <a:cxn ang="0">
+                <a:pos x="T4" y="T5"/>
+              </a:cxn>
+              <a:cxn ang="0">
+                <a:pos x="T6" y="T7"/>
+              </a:cxn>
+              <a:cxn ang="0">
+                <a:pos x="T8" y="T9"/>
+              </a:cxn>
+            </a:cxnLst>
+            <a:rect l="0" t="0" r="r" b="b"/>
+            <a:pathLst>
+              <a:path w="414" h="2447">
+                <a:moveTo>
+                  <a:pt x="414" y="2447"/>
+                </a:moveTo>
+                <a:lnTo>
+                  <a:pt x="0" y="2247"/>
+                </a:lnTo>
+                <a:lnTo>
+                  <a:pt x="0" y="0"/>
+                </a:lnTo>
+                <a:lnTo>
+                  <a:pt x="414" y="200"/>
+                </a:lnTo>
+                <a:lnTo>
+                  <a:pt x="414" y="2447"/>
+                </a:lnTo>
+                <a:close/>
+              </a:path>
+            </a:pathLst>
+          </a:custGeom>
+          <a:solidFill>
+            <a:schemeClr val="accent1">
+              <a:lumMod val="75000"/>
+            </a:schemeClr>
+          </a:solidFill>
+          <a:ln>
+            <a:noFill/>
+          </a:ln>
+        </p:spPr>
+        <p:txBody>
+          <a:bodyPr vert="horz" wrap="square" lIns="91440" tIns="45720" rIns="91440" bIns="45720" numCol="1" anchor="t" anchorCtr="0" compatLnSpc="1">
+            <a:prstTxWarp prst="textNoShape">
+              <a:avLst/>
+            </a:prstTxWarp>
+          </a:bodyPr>
+          <a:lstStyle/>
+          <a:p>
+            <a:endParaRPr lang="en-US"/>
+          </a:p>
+        </p:txBody>
+      </p:sp>
+      <p:sp>
+        <p:nvSpPr>
+          <p:cNvPr id="42" name="Freeform 7">
+            <a:extLst>
+              <a:ext uri="{FF2B5EF4-FFF2-40B4-BE49-F238E27FC236}">
+                <a16:creationId xmlns:a16="http://schemas.microsoft.com/office/drawing/2014/main" id="{8C7C4D4B-92D9-4FA4-A294-749E8574FF51}"/>
+              </a:ext>
+              <a:ext uri="{C183D7F6-B498-43B3-948B-1728B52AA6E4}">
+                <adec:decorative xmlns:adec="http://schemas.microsoft.com/office/drawing/2017/decorative" val="1"/>
+              </a:ext>
+            </a:extLst>
+          </p:cNvPr>
+          <p:cNvSpPr>
+            <a:spLocks noGrp="1" noRot="1" noChangeAspect="1" noMove="1" noResize="1" noEditPoints="1" noAdjustHandles="1" noChangeArrowheads="1" noChangeShapeType="1" noTextEdit="1"/>
+          </p:cNvSpPr>
+          <p:nvPr>
+            <p:extLst>
+              <p:ext uri="{386F3935-93C4-4BCD-93E2-E3B085C9AB24}">
+                <p16:designElem xmlns:p16="http://schemas.microsoft.com/office/powerpoint/2015/main" val="1"/>
+              </p:ext>
+            </p:extLst>
+          </p:nvPr>
+        </p:nvSpPr>
+        <p:spPr bwMode="auto">
+          <a:xfrm>
+            <a:off x="8728739" y="4098333"/>
+            <a:ext cx="201857" cy="1874520"/>
+          </a:xfrm>
+          <a:custGeom>
+            <a:avLst/>
+            <a:gdLst>
+              <a:gd name="T0" fmla="*/ 209 w 209"/>
+              <a:gd name="T1" fmla="*/ 2246 h 2358"/>
+              <a:gd name="T2" fmla="*/ 0 w 209"/>
+              <a:gd name="T3" fmla="*/ 2358 h 2358"/>
+              <a:gd name="T4" fmla="*/ 0 w 209"/>
+              <a:gd name="T5" fmla="*/ 111 h 2358"/>
+              <a:gd name="T6" fmla="*/ 209 w 209"/>
+              <a:gd name="T7" fmla="*/ 0 h 2358"/>
+              <a:gd name="T8" fmla="*/ 209 w 209"/>
+              <a:gd name="T9" fmla="*/ 2246 h 2358"/>
+            </a:gdLst>
+            <a:ahLst/>
+            <a:cxnLst>
+              <a:cxn ang="0">
+                <a:pos x="T0" y="T1"/>
+              </a:cxn>
+              <a:cxn ang="0">
+                <a:pos x="T2" y="T3"/>
+              </a:cxn>
+              <a:cxn ang="0">
+                <a:pos x="T4" y="T5"/>
+              </a:cxn>
+              <a:cxn ang="0">
+                <a:pos x="T6" y="T7"/>
+              </a:cxn>
+              <a:cxn ang="0">
+                <a:pos x="T8" y="T9"/>
+              </a:cxn>
+            </a:cxnLst>
+            <a:rect l="0" t="0" r="r" b="b"/>
+            <a:pathLst>
+              <a:path w="209" h="2358">
+                <a:moveTo>
+                  <a:pt x="209" y="2246"/>
+                </a:moveTo>
+                <a:lnTo>
+                  <a:pt x="0" y="2358"/>
+                </a:lnTo>
+                <a:lnTo>
+                  <a:pt x="0" y="111"/>
+                </a:lnTo>
+                <a:lnTo>
+                  <a:pt x="209" y="0"/>
+                </a:lnTo>
+                <a:lnTo>
+                  <a:pt x="209" y="2246"/>
+                </a:lnTo>
+                <a:close/>
+              </a:path>
+            </a:pathLst>
+          </a:custGeom>
+          <a:solidFill>
+            <a:schemeClr val="accent1">
+              <a:lumMod val="50000"/>
+            </a:schemeClr>
+          </a:solidFill>
+          <a:ln>
+            <a:noFill/>
+          </a:ln>
+        </p:spPr>
+        <p:txBody>
+          <a:bodyPr vert="horz" wrap="square" lIns="91440" tIns="45720" rIns="91440" bIns="45720" numCol="1" anchor="t" anchorCtr="0" compatLnSpc="1">
+            <a:prstTxWarp prst="textNoShape">
+              <a:avLst/>
+            </a:prstTxWarp>
+          </a:bodyPr>
+          <a:lstStyle/>
+          <a:p>
+            <a:endParaRPr lang="en-US"/>
+          </a:p>
+        </p:txBody>
+      </p:sp>
+      <p:sp>
+        <p:nvSpPr>
+          <p:cNvPr id="43" name="Rectangle 8">
+            <a:extLst>
+              <a:ext uri="{FF2B5EF4-FFF2-40B4-BE49-F238E27FC236}">
+                <a16:creationId xmlns:a16="http://schemas.microsoft.com/office/drawing/2014/main" id="{BADA3358-2A3F-41B0-A458-6FD1DB3AF9BB}"/>
+              </a:ext>
+              <a:ext uri="{C183D7F6-B498-43B3-948B-1728B52AA6E4}">
+                <adec:decorative xmlns:adec="http://schemas.microsoft.com/office/drawing/2017/decorative" val="1"/>
+              </a:ext>
+            </a:extLst>
+          </p:cNvPr>
+          <p:cNvSpPr>
+            <a:spLocks noGrp="1" noRot="1" noChangeAspect="1" noMove="1" noResize="1" noEditPoints="1" noAdjustHandles="1" noChangeArrowheads="1" noChangeShapeType="1" noTextEdit="1"/>
+          </p:cNvSpPr>
+          <p:nvPr>
+            <p:extLst>
+              <p:ext uri="{386F3935-93C4-4BCD-93E2-E3B085C9AB24}">
+                <p16:designElem xmlns:p16="http://schemas.microsoft.com/office/powerpoint/2015/main" val="1"/>
+              </p:ext>
+            </p:extLst>
+          </p:nvPr>
+        </p:nvSpPr>
+        <p:spPr bwMode="auto">
+          <a:xfrm>
+            <a:off x="-3048" y="4098334"/>
+            <a:ext cx="8933019" cy="1773936"/>
+          </a:xfrm>
+          <a:prstGeom prst="rect">
+            <a:avLst/>
+          </a:prstGeom>
+          <a:solidFill>
+            <a:schemeClr val="accent1"/>
+          </a:solidFill>
+          <a:ln>
+            <a:noFill/>
+          </a:ln>
+        </p:spPr>
+        <p:txBody>
+          <a:bodyPr vert="horz" wrap="square" lIns="91440" tIns="45720" rIns="91440" bIns="45720" numCol="1" anchor="t" anchorCtr="0" compatLnSpc="1">
+            <a:prstTxWarp prst="textNoShape">
+              <a:avLst/>
+            </a:prstTxWarp>
+          </a:bodyPr>
+          <a:lstStyle/>
+          <a:p>
+            <a:endParaRPr lang="en-US"/>
           </a:p>
         </p:txBody>
       </p:sp>
@@ -3371,19 +3784,85 @@
             <p:ph type="subTitle" idx="1"/>
           </p:nvPr>
         </p:nvSpPr>
-        <p:spPr/>
-        <p:txBody>
-          <a:bodyPr/>
-          <a:lstStyle/>
-          <a:p>
-            <a:r>
-              <a:rPr lang="el-GR" dirty="0"/>
+        <p:spPr>
+          <a:xfrm>
+            <a:off x="795342" y="4377268"/>
+            <a:ext cx="7970903" cy="1280582"/>
+          </a:xfrm>
+        </p:spPr>
+        <p:txBody>
+          <a:bodyPr anchor="t">
+            <a:normAutofit/>
+          </a:bodyPr>
+          <a:lstStyle/>
+          <a:p>
+            <a:pPr algn="l"/>
+            <a:r>
+              <a:rPr lang="el-GR" sz="3200">
+                <a:solidFill>
+                  <a:srgbClr val="FEFFFF"/>
+                </a:solidFill>
+              </a:rPr>
               <a:t>Π19204 – Γεώργιος Σεϊμένης – </a:t>
             </a:r>
             <a:r>
-              <a:rPr lang="en-US" dirty="0"/>
+              <a:rPr lang="en-US" sz="3200">
+                <a:solidFill>
+                  <a:srgbClr val="FEFFFF"/>
+                </a:solidFill>
+              </a:rPr>
               <a:t>p19204@unipi.gr</a:t>
             </a:r>
+          </a:p>
+        </p:txBody>
+      </p:sp>
+      <p:sp>
+        <p:nvSpPr>
+          <p:cNvPr id="44" name="Rectangle 8">
+            <a:extLst>
+              <a:ext uri="{FF2B5EF4-FFF2-40B4-BE49-F238E27FC236}">
+                <a16:creationId xmlns:a16="http://schemas.microsoft.com/office/drawing/2014/main" id="{E4737216-37B2-43AD-AB08-05BFCCEFC99E}"/>
+              </a:ext>
+              <a:ext uri="{C183D7F6-B498-43B3-948B-1728B52AA6E4}">
+                <adec:decorative xmlns:adec="http://schemas.microsoft.com/office/drawing/2017/decorative" val="1"/>
+              </a:ext>
+            </a:extLst>
+          </p:cNvPr>
+          <p:cNvSpPr>
+            <a:spLocks noGrp="1" noRot="1" noChangeAspect="1" noMove="1" noResize="1" noEditPoints="1" noAdjustHandles="1" noChangeArrowheads="1" noChangeShapeType="1" noTextEdit="1"/>
+          </p:cNvSpPr>
+          <p:nvPr>
+            <p:extLst>
+              <p:ext uri="{386F3935-93C4-4BCD-93E2-E3B085C9AB24}">
+                <p16:designElem xmlns:p16="http://schemas.microsoft.com/office/powerpoint/2015/main" val="1"/>
+              </p:ext>
+            </p:extLst>
+          </p:nvPr>
+        </p:nvSpPr>
+        <p:spPr bwMode="auto">
+          <a:xfrm>
+            <a:off x="9066873" y="4377267"/>
+            <a:ext cx="3122079" cy="1773936"/>
+          </a:xfrm>
+          <a:prstGeom prst="rect">
+            <a:avLst/>
+          </a:prstGeom>
+          <a:solidFill>
+            <a:schemeClr val="accent1"/>
+          </a:solidFill>
+          <a:ln>
+            <a:noFill/>
+          </a:ln>
+        </p:spPr>
+        <p:txBody>
+          <a:bodyPr vert="horz" wrap="square" lIns="91440" tIns="45720" rIns="91440" bIns="45720" numCol="1" anchor="t" anchorCtr="0" compatLnSpc="1">
+            <a:prstTxWarp prst="textNoShape">
+              <a:avLst/>
+            </a:prstTxWarp>
+          </a:bodyPr>
+          <a:lstStyle/>
+          <a:p>
+            <a:endParaRPr lang="en-US"/>
           </a:p>
         </p:txBody>
       </p:sp>
@@ -3397,12 +3876,159 @@
   <p:clrMapOvr>
     <a:masterClrMapping/>
   </p:clrMapOvr>
+  <p:timing>
+    <p:tnLst>
+      <p:par>
+        <p:cTn id="1" dur="indefinite" restart="never" nodeType="tmRoot">
+          <p:childTnLst>
+            <p:seq concurrent="1" nextAc="seek">
+              <p:cTn id="2" dur="indefinite" nodeType="mainSeq">
+                <p:childTnLst>
+                  <p:par>
+                    <p:cTn id="3" fill="hold">
+                      <p:stCondLst>
+                        <p:cond delay="indefinite"/>
+                        <p:cond evt="onBegin" delay="0">
+                          <p:tn val="2"/>
+                        </p:cond>
+                      </p:stCondLst>
+                      <p:childTnLst>
+                        <p:par>
+                          <p:cTn id="4" fill="hold">
+                            <p:stCondLst>
+                              <p:cond delay="0"/>
+                            </p:stCondLst>
+                            <p:childTnLst>
+                              <p:par>
+                                <p:cTn id="5" presetID="10" presetClass="entr" presetSubtype="0" fill="hold" grpId="0" nodeType="withEffect">
+                                  <p:stCondLst>
+                                    <p:cond delay="1000"/>
+                                  </p:stCondLst>
+                                  <p:iterate>
+                                    <p:tmPct val="10000"/>
+                                  </p:iterate>
+                                  <p:childTnLst>
+                                    <p:set>
+                                      <p:cBhvr>
+                                        <p:cTn id="6" dur="1" fill="hold">
+                                          <p:stCondLst>
+                                            <p:cond delay="0"/>
+                                          </p:stCondLst>
+                                        </p:cTn>
+                                        <p:tgtEl>
+                                          <p:spTgt spid="3">
+                                            <p:txEl>
+                                              <p:pRg st="0" end="0"/>
+                                            </p:txEl>
+                                          </p:spTgt>
+                                        </p:tgtEl>
+                                        <p:attrNameLst>
+                                          <p:attrName>style.visibility</p:attrName>
+                                        </p:attrNameLst>
+                                      </p:cBhvr>
+                                      <p:to>
+                                        <p:strVal val="visible"/>
+                                      </p:to>
+                                    </p:set>
+                                    <p:animEffect transition="in" filter="fade">
+                                      <p:cBhvr>
+                                        <p:cTn id="7" dur="700"/>
+                                        <p:tgtEl>
+                                          <p:spTgt spid="3">
+                                            <p:txEl>
+                                              <p:pRg st="0" end="0"/>
+                                            </p:txEl>
+                                          </p:spTgt>
+                                        </p:tgtEl>
+                                      </p:cBhvr>
+                                    </p:animEffect>
+                                  </p:childTnLst>
+                                </p:cTn>
+                              </p:par>
+                              <p:par>
+                                <p:cTn id="8" presetID="10" presetClass="entr" presetSubtype="0" fill="hold" grpId="0" nodeType="withEffect">
+                                  <p:stCondLst>
+                                    <p:cond delay="500"/>
+                                  </p:stCondLst>
+                                  <p:iterate>
+                                    <p:tmPct val="10000"/>
+                                  </p:iterate>
+                                  <p:childTnLst>
+                                    <p:set>
+                                      <p:cBhvr>
+                                        <p:cTn id="9" dur="1" fill="hold">
+                                          <p:stCondLst>
+                                            <p:cond delay="0"/>
+                                          </p:stCondLst>
+                                        </p:cTn>
+                                        <p:tgtEl>
+                                          <p:spTgt spid="2"/>
+                                        </p:tgtEl>
+                                        <p:attrNameLst>
+                                          <p:attrName>style.visibility</p:attrName>
+                                        </p:attrNameLst>
+                                      </p:cBhvr>
+                                      <p:to>
+                                        <p:strVal val="visible"/>
+                                      </p:to>
+                                    </p:set>
+                                    <p:animEffect transition="in" filter="fade">
+                                      <p:cBhvr>
+                                        <p:cTn id="10" dur="700"/>
+                                        <p:tgtEl>
+                                          <p:spTgt spid="2"/>
+                                        </p:tgtEl>
+                                      </p:cBhvr>
+                                    </p:animEffect>
+                                  </p:childTnLst>
+                                </p:cTn>
+                              </p:par>
+                            </p:childTnLst>
+                          </p:cTn>
+                        </p:par>
+                      </p:childTnLst>
+                    </p:cTn>
+                  </p:par>
+                </p:childTnLst>
+              </p:cTn>
+              <p:prevCondLst>
+                <p:cond evt="onPrev" delay="0">
+                  <p:tgtEl>
+                    <p:sldTgt/>
+                  </p:tgtEl>
+                </p:cond>
+              </p:prevCondLst>
+              <p:nextCondLst>
+                <p:cond evt="onNext" delay="0">
+                  <p:tgtEl>
+                    <p:sldTgt/>
+                  </p:tgtEl>
+                </p:cond>
+              </p:nextCondLst>
+            </p:seq>
+          </p:childTnLst>
+        </p:cTn>
+      </p:par>
+    </p:tnLst>
+    <p:bldLst>
+      <p:bldP spid="2" grpId="0"/>
+      <p:bldP spid="3" grpId="0" build="p"/>
+    </p:bldLst>
+  </p:timing>
 </p:sld>
 </file>
 
-<file path=ppt/slides/slide2.xml><?xml version="1.0" encoding="utf-8"?>
+<file path=ppt/slides/slide10.xml><?xml version="1.0" encoding="utf-8"?>
 <p:sld xmlns:a="http://schemas.openxmlformats.org/drawingml/2006/main" xmlns:r="http://schemas.openxmlformats.org/officeDocument/2006/relationships" xmlns:p="http://schemas.openxmlformats.org/presentationml/2006/main">
   <p:cSld>
+    <p:bg>
+      <p:bgPr>
+        <a:solidFill>
+          <a:schemeClr val="bg1"/>
+        </a:solidFill>
+        <a:effectLst/>
+      </p:bgPr>
+    </p:bg>
     <p:spTree>
       <p:nvGrpSpPr>
         <p:cNvPr id="1" name=""/>
@@ -3419,10 +4045,73 @@
       </p:grpSpPr>
       <p:sp>
         <p:nvSpPr>
+          <p:cNvPr id="8" name="Rectangle 7">
+            <a:extLst>
+              <a:ext uri="{FF2B5EF4-FFF2-40B4-BE49-F238E27FC236}">
+                <a16:creationId xmlns:a16="http://schemas.microsoft.com/office/drawing/2014/main" id="{DE7FFD28-545C-4C88-A2E7-152FB234C92C}"/>
+              </a:ext>
+              <a:ext uri="{C183D7F6-B498-43B3-948B-1728B52AA6E4}">
+                <adec:decorative xmlns:adec="http://schemas.microsoft.com/office/drawing/2017/decorative" val="1"/>
+              </a:ext>
+            </a:extLst>
+          </p:cNvPr>
+          <p:cNvSpPr>
+            <a:spLocks noGrp="1" noRot="1" noChangeAspect="1" noMove="1" noResize="1" noEditPoints="1" noAdjustHandles="1" noChangeArrowheads="1" noChangeShapeType="1" noTextEdit="1"/>
+          </p:cNvSpPr>
+          <p:nvPr>
+            <p:extLst>
+              <p:ext uri="{386F3935-93C4-4BCD-93E2-E3B085C9AB24}">
+                <p16:designElem xmlns:p16="http://schemas.microsoft.com/office/powerpoint/2015/main" val="1"/>
+              </p:ext>
+            </p:extLst>
+          </p:nvPr>
+        </p:nvSpPr>
+        <p:spPr>
+          <a:xfrm>
+            <a:off x="0" y="0"/>
+            <a:ext cx="12192000" cy="1911350"/>
+          </a:xfrm>
+          <a:prstGeom prst="rect">
+            <a:avLst/>
+          </a:prstGeom>
+          <a:solidFill>
+            <a:schemeClr val="accent5"/>
+          </a:solidFill>
+          <a:ln>
+            <a:noFill/>
+          </a:ln>
+        </p:spPr>
+        <p:style>
+          <a:lnRef idx="2">
+            <a:schemeClr val="accent1">
+              <a:shade val="50000"/>
+            </a:schemeClr>
+          </a:lnRef>
+          <a:fillRef idx="1">
+            <a:schemeClr val="accent1"/>
+          </a:fillRef>
+          <a:effectRef idx="0">
+            <a:schemeClr val="accent1"/>
+          </a:effectRef>
+          <a:fontRef idx="minor">
+            <a:schemeClr val="lt1"/>
+          </a:fontRef>
+        </p:style>
+        <p:txBody>
+          <a:bodyPr rtlCol="0" anchor="ctr"/>
+          <a:lstStyle/>
+          <a:p>
+            <a:pPr algn="ctr"/>
+            <a:endParaRPr lang="en-US"/>
+          </a:p>
+        </p:txBody>
+      </p:sp>
+      <p:sp>
+        <p:nvSpPr>
           <p:cNvPr id="2" name="Title 1">
             <a:extLst>
               <a:ext uri="{FF2B5EF4-FFF2-40B4-BE49-F238E27FC236}">
-                <a16:creationId xmlns:a16="http://schemas.microsoft.com/office/drawing/2014/main" id="{18CAC031-E310-DC35-5527-A55049E2F956}"/>
+                <a16:creationId xmlns:a16="http://schemas.microsoft.com/office/drawing/2014/main" id="{EAB08535-9B6F-9119-1A69-B7842C799046}"/>
               </a:ext>
             </a:extLst>
           </p:cNvPr>
@@ -3433,16 +4122,34 @@
             <p:ph type="title"/>
           </p:nvPr>
         </p:nvSpPr>
-        <p:spPr/>
-        <p:txBody>
-          <a:bodyPr/>
-          <a:lstStyle/>
-          <a:p>
-            <a:r>
-              <a:rPr lang="el-GR" dirty="0"/>
-              <a:t>ΖΕΥΓΟΣ ΠΡΟΤΥΠΩΝ </a:t>
-            </a:r>
-            <a:endParaRPr lang="en-US" dirty="0"/>
+        <p:spPr>
+          <a:xfrm>
+            <a:off x="838200" y="365125"/>
+            <a:ext cx="10515600" cy="1325563"/>
+          </a:xfrm>
+        </p:spPr>
+        <p:txBody>
+          <a:bodyPr>
+            <a:normAutofit/>
+          </a:bodyPr>
+          <a:lstStyle/>
+          <a:p>
+            <a:r>
+              <a:rPr lang="el-GR" sz="4300">
+                <a:solidFill>
+                  <a:srgbClr val="FFFFFF"/>
+                </a:solidFill>
+              </a:rPr>
+              <a:t>ΠΟΤΕ ΧΡΗΣΙΜΟΠΟΙΟΥΜΕ ΤΟ </a:t>
+            </a:r>
+            <a:r>
+              <a:rPr lang="en-US" sz="4300">
+                <a:solidFill>
+                  <a:srgbClr val="FFFFFF"/>
+                </a:solidFill>
+              </a:rPr>
+              <a:t>RETRY PATTERN;</a:t>
+            </a:r>
           </a:p>
         </p:txBody>
       </p:sp>
@@ -3451,7 +4158,7 @@
           <p:cNvPr id="3" name="Content Placeholder 2">
             <a:extLst>
               <a:ext uri="{FF2B5EF4-FFF2-40B4-BE49-F238E27FC236}">
-                <a16:creationId xmlns:a16="http://schemas.microsoft.com/office/drawing/2014/main" id="{0FC9CFFB-779E-C7BC-F9A8-977B99B076FC}"/>
+                <a16:creationId xmlns:a16="http://schemas.microsoft.com/office/drawing/2014/main" id="{912AB2B2-632E-D559-2141-2E943D2462A3}"/>
               </a:ext>
             </a:extLst>
           </p:cNvPr>
@@ -3462,43 +4169,1800 @@
             <p:ph idx="1"/>
           </p:nvPr>
         </p:nvSpPr>
-        <p:spPr/>
-        <p:txBody>
-          <a:bodyPr/>
+        <p:spPr>
+          <a:xfrm>
+            <a:off x="838200" y="2438400"/>
+            <a:ext cx="10515600" cy="3738562"/>
+          </a:xfrm>
+        </p:spPr>
+        <p:txBody>
+          <a:bodyPr>
+            <a:normAutofit/>
+          </a:bodyPr>
+          <a:lstStyle/>
+          <a:p>
+            <a:r>
+              <a:rPr lang="el-GR" sz="2600"/>
+              <a:t>Όταν ξέρουμε ότι μπορεί να προκύψει ένα κώλυμα σε κάποιον εξυπηρετητή.</a:t>
+            </a:r>
+          </a:p>
+          <a:p>
+            <a:r>
+              <a:rPr lang="el-GR" sz="2600"/>
+              <a:t>Όταν τα κωλύματα που προκύπτουν από τον εξυπηρετητή, ξέρουμε ότι μπορούν να λυθούν με επαναπροσπάθεια (π.χ. </a:t>
+            </a:r>
+            <a:r>
+              <a:rPr lang="en-US" sz="2600"/>
+              <a:t>refresh).</a:t>
+            </a:r>
+          </a:p>
+        </p:txBody>
+      </p:sp>
+    </p:spTree>
+    <p:extLst>
+      <p:ext uri="{BB962C8B-B14F-4D97-AF65-F5344CB8AC3E}">
+        <p14:creationId xmlns:p14="http://schemas.microsoft.com/office/powerpoint/2010/main" val="3503534192"/>
+      </p:ext>
+    </p:extLst>
+  </p:cSld>
+  <p:clrMapOvr>
+    <a:masterClrMapping/>
+  </p:clrMapOvr>
+</p:sld>
+</file>
+
+<file path=ppt/slides/slide11.xml><?xml version="1.0" encoding="utf-8"?>
+<p:sld xmlns:a="http://schemas.openxmlformats.org/drawingml/2006/main" xmlns:r="http://schemas.openxmlformats.org/officeDocument/2006/relationships" xmlns:p="http://schemas.openxmlformats.org/presentationml/2006/main">
+  <p:cSld>
+    <p:bg>
+      <p:bgPr>
+        <a:solidFill>
+          <a:schemeClr val="bg1"/>
+        </a:solidFill>
+        <a:effectLst/>
+      </p:bgPr>
+    </p:bg>
+    <p:spTree>
+      <p:nvGrpSpPr>
+        <p:cNvPr id="1" name=""/>
+        <p:cNvGrpSpPr/>
+        <p:nvPr/>
+      </p:nvGrpSpPr>
+      <p:grpSpPr>
+        <a:xfrm>
+          <a:off x="0" y="0"/>
+          <a:ext cx="0" cy="0"/>
+          <a:chOff x="0" y="0"/>
+          <a:chExt cx="0" cy="0"/>
+        </a:xfrm>
+      </p:grpSpPr>
+      <p:sp>
+        <p:nvSpPr>
+          <p:cNvPr id="8" name="Rectangle 7">
+            <a:extLst>
+              <a:ext uri="{FF2B5EF4-FFF2-40B4-BE49-F238E27FC236}">
+                <a16:creationId xmlns:a16="http://schemas.microsoft.com/office/drawing/2014/main" id="{DE7FFD28-545C-4C88-A2E7-152FB234C92C}"/>
+              </a:ext>
+              <a:ext uri="{C183D7F6-B498-43B3-948B-1728B52AA6E4}">
+                <adec:decorative xmlns:adec="http://schemas.microsoft.com/office/drawing/2017/decorative" val="1"/>
+              </a:ext>
+            </a:extLst>
+          </p:cNvPr>
+          <p:cNvSpPr>
+            <a:spLocks noGrp="1" noRot="1" noChangeAspect="1" noMove="1" noResize="1" noEditPoints="1" noAdjustHandles="1" noChangeArrowheads="1" noChangeShapeType="1" noTextEdit="1"/>
+          </p:cNvSpPr>
+          <p:nvPr>
+            <p:extLst>
+              <p:ext uri="{386F3935-93C4-4BCD-93E2-E3B085C9AB24}">
+                <p16:designElem xmlns:p16="http://schemas.microsoft.com/office/powerpoint/2015/main" val="1"/>
+              </p:ext>
+            </p:extLst>
+          </p:nvPr>
+        </p:nvSpPr>
+        <p:spPr>
+          <a:xfrm>
+            <a:off x="0" y="0"/>
+            <a:ext cx="12192000" cy="1911350"/>
+          </a:xfrm>
+          <a:prstGeom prst="rect">
+            <a:avLst/>
+          </a:prstGeom>
+          <a:solidFill>
+            <a:schemeClr val="accent5"/>
+          </a:solidFill>
+          <a:ln>
+            <a:noFill/>
+          </a:ln>
+        </p:spPr>
+        <p:style>
+          <a:lnRef idx="2">
+            <a:schemeClr val="accent1">
+              <a:shade val="50000"/>
+            </a:schemeClr>
+          </a:lnRef>
+          <a:fillRef idx="1">
+            <a:schemeClr val="accent1"/>
+          </a:fillRef>
+          <a:effectRef idx="0">
+            <a:schemeClr val="accent1"/>
+          </a:effectRef>
+          <a:fontRef idx="minor">
+            <a:schemeClr val="lt1"/>
+          </a:fontRef>
+        </p:style>
+        <p:txBody>
+          <a:bodyPr rtlCol="0" anchor="ctr"/>
+          <a:lstStyle/>
+          <a:p>
+            <a:pPr algn="ctr"/>
+            <a:endParaRPr lang="en-US"/>
+          </a:p>
+        </p:txBody>
+      </p:sp>
+      <p:sp>
+        <p:nvSpPr>
+          <p:cNvPr id="2" name="Title 1">
+            <a:extLst>
+              <a:ext uri="{FF2B5EF4-FFF2-40B4-BE49-F238E27FC236}">
+                <a16:creationId xmlns:a16="http://schemas.microsoft.com/office/drawing/2014/main" id="{B8631E8D-0A40-1BD1-5754-6CC73169BAAD}"/>
+              </a:ext>
+            </a:extLst>
+          </p:cNvPr>
+          <p:cNvSpPr>
+            <a:spLocks noGrp="1"/>
+          </p:cNvSpPr>
+          <p:nvPr>
+            <p:ph type="title"/>
+          </p:nvPr>
+        </p:nvSpPr>
+        <p:spPr>
+          <a:xfrm>
+            <a:off x="838200" y="365125"/>
+            <a:ext cx="10515600" cy="1325563"/>
+          </a:xfrm>
+        </p:spPr>
+        <p:txBody>
+          <a:bodyPr>
+            <a:normAutofit/>
+          </a:bodyPr>
+          <a:lstStyle/>
+          <a:p>
+            <a:r>
+              <a:rPr lang="el-GR" sz="4300">
+                <a:solidFill>
+                  <a:srgbClr val="FFFFFF"/>
+                </a:solidFill>
+              </a:rPr>
+              <a:t>ΠΟΤΕ ΔΕΝ ΕΧΕΙ ΝΟΗΜΑ ΝΑ ΧΡΗΣΙΜΟΠΟΙΗΘΕΙ ΤΟ </a:t>
+            </a:r>
+            <a:r>
+              <a:rPr lang="en-US" sz="4300">
+                <a:solidFill>
+                  <a:srgbClr val="FFFFFF"/>
+                </a:solidFill>
+              </a:rPr>
+              <a:t>RETRY PATTERN;</a:t>
+            </a:r>
+          </a:p>
+        </p:txBody>
+      </p:sp>
+      <p:sp>
+        <p:nvSpPr>
+          <p:cNvPr id="3" name="Content Placeholder 2">
+            <a:extLst>
+              <a:ext uri="{FF2B5EF4-FFF2-40B4-BE49-F238E27FC236}">
+                <a16:creationId xmlns:a16="http://schemas.microsoft.com/office/drawing/2014/main" id="{21D23075-43C4-0DFA-38A6-1D18792E2A78}"/>
+              </a:ext>
+            </a:extLst>
+          </p:cNvPr>
+          <p:cNvSpPr>
+            <a:spLocks noGrp="1"/>
+          </p:cNvSpPr>
+          <p:nvPr>
+            <p:ph idx="1"/>
+          </p:nvPr>
+        </p:nvSpPr>
+        <p:spPr>
+          <a:xfrm>
+            <a:off x="838200" y="2438400"/>
+            <a:ext cx="10515600" cy="3738562"/>
+          </a:xfrm>
+        </p:spPr>
+        <p:txBody>
+          <a:bodyPr>
+            <a:normAutofit/>
+          </a:bodyPr>
+          <a:lstStyle/>
+          <a:p>
+            <a:r>
+              <a:rPr lang="el-GR" sz="2600"/>
+              <a:t>Όταν ένα κώλυμα φαίνεται ότι θα κρατήσει για πολύ</a:t>
+            </a:r>
+          </a:p>
+          <a:p>
+            <a:r>
+              <a:rPr lang="el-GR" sz="2600"/>
+              <a:t>Όταν το κώλυμα είναι φανερά λάθος του χρήστη (π.χ. ένα λανθασμένο </a:t>
+            </a:r>
+            <a:r>
+              <a:rPr lang="en-US" sz="2600"/>
+              <a:t>password, </a:t>
+            </a:r>
+            <a:r>
+              <a:rPr lang="el-GR" sz="2600"/>
+              <a:t>δεν έχει νόημα να προσπαθεί άλλο το σύστημα).</a:t>
+            </a:r>
+          </a:p>
+          <a:p>
+            <a:r>
+              <a:rPr lang="el-GR" sz="2600"/>
+              <a:t>Όταν το κώλυμα έχει να κάνει με κάποιον εξυπηρετητή ο οποίος δεν δουλεύει ή έχει «πέσει».</a:t>
+            </a:r>
+            <a:endParaRPr lang="en-US" sz="2600"/>
+          </a:p>
+        </p:txBody>
+      </p:sp>
+    </p:spTree>
+    <p:extLst>
+      <p:ext uri="{BB962C8B-B14F-4D97-AF65-F5344CB8AC3E}">
+        <p14:creationId xmlns:p14="http://schemas.microsoft.com/office/powerpoint/2010/main" val="2166667379"/>
+      </p:ext>
+    </p:extLst>
+  </p:cSld>
+  <p:clrMapOvr>
+    <a:masterClrMapping/>
+  </p:clrMapOvr>
+</p:sld>
+</file>
+
+<file path=ppt/slides/slide12.xml><?xml version="1.0" encoding="utf-8"?>
+<p:sld xmlns:a="http://schemas.openxmlformats.org/drawingml/2006/main" xmlns:r="http://schemas.openxmlformats.org/officeDocument/2006/relationships" xmlns:p="http://schemas.openxmlformats.org/presentationml/2006/main">
+  <p:cSld>
+    <p:bg>
+      <p:bgPr>
+        <a:solidFill>
+          <a:schemeClr val="bg1"/>
+        </a:solidFill>
+        <a:effectLst/>
+      </p:bgPr>
+    </p:bg>
+    <p:spTree>
+      <p:nvGrpSpPr>
+        <p:cNvPr id="1" name=""/>
+        <p:cNvGrpSpPr/>
+        <p:nvPr/>
+      </p:nvGrpSpPr>
+      <p:grpSpPr>
+        <a:xfrm>
+          <a:off x="0" y="0"/>
+          <a:ext cx="0" cy="0"/>
+          <a:chOff x="0" y="0"/>
+          <a:chExt cx="0" cy="0"/>
+        </a:xfrm>
+      </p:grpSpPr>
+      <p:sp>
+        <p:nvSpPr>
+          <p:cNvPr id="20" name="Rectangle 15">
+            <a:extLst>
+              <a:ext uri="{FF2B5EF4-FFF2-40B4-BE49-F238E27FC236}">
+                <a16:creationId xmlns:a16="http://schemas.microsoft.com/office/drawing/2014/main" id="{3B8A6984-1230-49D7-B72E-DE41BBFCC08E}"/>
+              </a:ext>
+              <a:ext uri="{C183D7F6-B498-43B3-948B-1728B52AA6E4}">
+                <adec:decorative xmlns:adec="http://schemas.microsoft.com/office/drawing/2017/decorative" val="1"/>
+              </a:ext>
+            </a:extLst>
+          </p:cNvPr>
+          <p:cNvSpPr>
+            <a:spLocks noGrp="1" noRot="1" noChangeAspect="1" noMove="1" noResize="1" noEditPoints="1" noAdjustHandles="1" noChangeArrowheads="1" noChangeShapeType="1" noTextEdit="1"/>
+          </p:cNvSpPr>
+          <p:nvPr>
+            <p:extLst>
+              <p:ext uri="{386F3935-93C4-4BCD-93E2-E3B085C9AB24}">
+                <p16:designElem xmlns:p16="http://schemas.microsoft.com/office/powerpoint/2015/main" val="1"/>
+              </p:ext>
+            </p:extLst>
+          </p:nvPr>
+        </p:nvSpPr>
+        <p:spPr>
+          <a:xfrm>
+            <a:off x="0" y="0"/>
+            <a:ext cx="12192000" cy="6858000"/>
+          </a:xfrm>
+          <a:prstGeom prst="rect">
+            <a:avLst/>
+          </a:prstGeom>
+          <a:solidFill>
+            <a:schemeClr val="bg1"/>
+          </a:solidFill>
+          <a:ln w="12700" cap="flat" cmpd="sng" algn="ctr">
+            <a:noFill/>
+            <a:prstDash val="solid"/>
+            <a:miter lim="800000"/>
+          </a:ln>
+          <a:effectLst/>
+          <a:extLst>
+            <a:ext uri="{91240B29-F687-4F45-9708-019B960494DF}">
+              <a14:hiddenLine xmlns:a14="http://schemas.microsoft.com/office/drawing/2010/main" w="12700" cap="flat" cmpd="sng" algn="ctr">
+                <a:solidFill>
+                  <a:schemeClr val="accent1">
+                    <a:shade val="50000"/>
+                  </a:schemeClr>
+                </a:solidFill>
+                <a:prstDash val="solid"/>
+                <a:miter lim="800000"/>
+              </a14:hiddenLine>
+            </a:ext>
+          </a:extLst>
+        </p:spPr>
+        <p:style>
+          <a:lnRef idx="2">
+            <a:schemeClr val="accent1">
+              <a:shade val="50000"/>
+            </a:schemeClr>
+          </a:lnRef>
+          <a:fillRef idx="1">
+            <a:schemeClr val="accent1"/>
+          </a:fillRef>
+          <a:effectRef idx="0">
+            <a:schemeClr val="accent1"/>
+          </a:effectRef>
+          <a:fontRef idx="minor">
+            <a:schemeClr val="lt1"/>
+          </a:fontRef>
+        </p:style>
+        <p:txBody>
+          <a:bodyPr rtlCol="0" anchor="ctr"/>
+          <a:lstStyle/>
+          <a:p>
+            <a:pPr algn="ctr"/>
+            <a:endParaRPr lang="en-US"/>
+          </a:p>
+        </p:txBody>
+      </p:sp>
+      <p:sp>
+        <p:nvSpPr>
+          <p:cNvPr id="21" name="Rectangle 17">
+            <a:extLst>
+              <a:ext uri="{FF2B5EF4-FFF2-40B4-BE49-F238E27FC236}">
+                <a16:creationId xmlns:a16="http://schemas.microsoft.com/office/drawing/2014/main" id="{EBF87945-A001-489F-9D9B-7D9435F0B9CA}"/>
+              </a:ext>
+              <a:ext uri="{C183D7F6-B498-43B3-948B-1728B52AA6E4}">
+                <adec:decorative xmlns:adec="http://schemas.microsoft.com/office/drawing/2017/decorative" val="1"/>
+              </a:ext>
+            </a:extLst>
+          </p:cNvPr>
+          <p:cNvSpPr>
+            <a:spLocks noGrp="1" noRot="1" noChangeAspect="1" noMove="1" noResize="1" noEditPoints="1" noAdjustHandles="1" noChangeArrowheads="1" noChangeShapeType="1" noTextEdit="1"/>
+          </p:cNvSpPr>
+          <p:nvPr>
+            <p:extLst>
+              <p:ext uri="{386F3935-93C4-4BCD-93E2-E3B085C9AB24}">
+                <p16:designElem xmlns:p16="http://schemas.microsoft.com/office/powerpoint/2015/main" val="1"/>
+              </p:ext>
+            </p:extLst>
+          </p:nvPr>
+        </p:nvSpPr>
+        <p:spPr>
+          <a:xfrm>
+            <a:off x="0" y="1"/>
+            <a:ext cx="12192000" cy="1911096"/>
+          </a:xfrm>
+          <a:prstGeom prst="rect">
+            <a:avLst/>
+          </a:prstGeom>
+          <a:solidFill>
+            <a:schemeClr val="tx1">
+              <a:lumMod val="75000"/>
+              <a:lumOff val="25000"/>
+            </a:schemeClr>
+          </a:solidFill>
+          <a:ln>
+            <a:noFill/>
+          </a:ln>
+        </p:spPr>
+        <p:style>
+          <a:lnRef idx="2">
+            <a:schemeClr val="accent1">
+              <a:shade val="50000"/>
+            </a:schemeClr>
+          </a:lnRef>
+          <a:fillRef idx="1">
+            <a:schemeClr val="accent1"/>
+          </a:fillRef>
+          <a:effectRef idx="0">
+            <a:schemeClr val="accent1"/>
+          </a:effectRef>
+          <a:fontRef idx="minor">
+            <a:schemeClr val="lt1"/>
+          </a:fontRef>
+        </p:style>
+        <p:txBody>
+          <a:bodyPr rtlCol="0" anchor="ctr"/>
+          <a:lstStyle/>
+          <a:p>
+            <a:pPr algn="ctr"/>
+            <a:endParaRPr lang="en-US"/>
+          </a:p>
+        </p:txBody>
+      </p:sp>
+      <p:sp>
+        <p:nvSpPr>
+          <p:cNvPr id="2" name="Title 1">
+            <a:extLst>
+              <a:ext uri="{FF2B5EF4-FFF2-40B4-BE49-F238E27FC236}">
+                <a16:creationId xmlns:a16="http://schemas.microsoft.com/office/drawing/2014/main" id="{16521623-EB7C-EFAB-15B2-F2EAE9F613A8}"/>
+              </a:ext>
+            </a:extLst>
+          </p:cNvPr>
+          <p:cNvSpPr>
+            <a:spLocks noGrp="1"/>
+          </p:cNvSpPr>
+          <p:nvPr>
+            <p:ph type="title"/>
+          </p:nvPr>
+        </p:nvSpPr>
+        <p:spPr>
+          <a:xfrm>
+            <a:off x="838200" y="365760"/>
+            <a:ext cx="10515600" cy="1325563"/>
+          </a:xfrm>
+        </p:spPr>
+        <p:txBody>
+          <a:bodyPr vert="horz" lIns="91440" tIns="45720" rIns="91440" bIns="45720" rtlCol="0" anchor="ctr">
+            <a:normAutofit/>
+          </a:bodyPr>
+          <a:lstStyle/>
+          <a:p>
+            <a:r>
+              <a:rPr lang="en-US">
+                <a:solidFill>
+                  <a:schemeClr val="bg1"/>
+                </a:solidFill>
+              </a:rPr>
+              <a:t>ΠΑΡΑΔΕΙΓΜΑ ΚΩΔΙΚΑ ΤΟΥ RETRY PATTERN</a:t>
+            </a:r>
+          </a:p>
+        </p:txBody>
+      </p:sp>
+      <p:pic>
+        <p:nvPicPr>
+          <p:cNvPr id="11" name="Content Placeholder 10">
+            <a:extLst>
+              <a:ext uri="{FF2B5EF4-FFF2-40B4-BE49-F238E27FC236}">
+                <a16:creationId xmlns:a16="http://schemas.microsoft.com/office/drawing/2014/main" id="{21BAC1DC-6C22-6AD8-F4E9-C9825F8F4433}"/>
+              </a:ext>
+            </a:extLst>
+          </p:cNvPr>
+          <p:cNvPicPr>
+            <a:picLocks noGrp="1" noChangeAspect="1"/>
+          </p:cNvPicPr>
+          <p:nvPr>
+            <p:ph sz="half" idx="1"/>
+          </p:nvPr>
+        </p:nvPicPr>
+        <p:blipFill rotWithShape="1">
+          <a:blip r:embed="rId2"/>
+          <a:srcRect t="22822" r="-1" b="13413"/>
+          <a:stretch/>
+        </p:blipFill>
+        <p:spPr>
+          <a:xfrm>
+            <a:off x="841248" y="2276857"/>
+            <a:ext cx="5015484" cy="3900106"/>
+          </a:xfrm>
+          <a:prstGeom prst="rect">
+            <a:avLst/>
+          </a:prstGeom>
+        </p:spPr>
+      </p:pic>
+      <p:sp>
+        <p:nvSpPr>
+          <p:cNvPr id="9" name="Content Placeholder 8">
+            <a:extLst>
+              <a:ext uri="{FF2B5EF4-FFF2-40B4-BE49-F238E27FC236}">
+                <a16:creationId xmlns:a16="http://schemas.microsoft.com/office/drawing/2014/main" id="{07ED611E-7758-3B4F-9FF5-91843C43EA73}"/>
+              </a:ext>
+            </a:extLst>
+          </p:cNvPr>
+          <p:cNvSpPr>
+            <a:spLocks noGrp="1"/>
+          </p:cNvSpPr>
+          <p:nvPr>
+            <p:ph sz="half" idx="2"/>
+          </p:nvPr>
+        </p:nvSpPr>
+        <p:spPr>
+          <a:xfrm>
+            <a:off x="6335270" y="2276857"/>
+            <a:ext cx="5015484" cy="3900106"/>
+          </a:xfrm>
+        </p:spPr>
+        <p:txBody>
+          <a:bodyPr vert="horz" lIns="91440" tIns="45720" rIns="91440" bIns="45720" rtlCol="0" anchor="ctr">
+            <a:normAutofit/>
+          </a:bodyPr>
           <a:lstStyle/>
           <a:p>
             <a:pPr marL="0" indent="0">
               <a:buNone/>
             </a:pPr>
             <a:r>
-              <a:rPr lang="el-GR" dirty="0"/>
-              <a:t>Το ζεύγος προτύπων που επελέγη είναι:</a:t>
-            </a:r>
-          </a:p>
-          <a:p>
-            <a:r>
-              <a:rPr lang="en-US" dirty="0"/>
-              <a:t>Federated Identity Pattern</a:t>
-            </a:r>
-          </a:p>
-          <a:p>
-            <a:r>
-              <a:rPr lang="en-US" dirty="0"/>
-              <a:t>Retry Pattern</a:t>
-            </a:r>
-          </a:p>
-          <a:p>
-            <a:endParaRPr lang="en-US" dirty="0"/>
-          </a:p>
+              <a:rPr lang="en-US" sz="2200" dirty="0"/>
+              <a:t>Η </a:t>
+            </a:r>
+            <a:r>
+              <a:rPr lang="en-US" sz="2200" dirty="0" err="1"/>
+              <a:t>κλάση</a:t>
+            </a:r>
+            <a:r>
+              <a:rPr lang="en-US" sz="2200" dirty="0"/>
+              <a:t> Server, </a:t>
+            </a:r>
+            <a:r>
+              <a:rPr lang="en-US" sz="2200" dirty="0" err="1"/>
+              <a:t>έχει</a:t>
+            </a:r>
+            <a:r>
+              <a:rPr lang="en-US" sz="2200" dirty="0"/>
+              <a:t> </a:t>
+            </a:r>
+            <a:r>
+              <a:rPr lang="en-US" sz="2200" dirty="0" err="1"/>
+              <a:t>διάφορ</a:t>
+            </a:r>
+            <a:r>
+              <a:rPr lang="en-US" sz="2200" dirty="0"/>
+              <a:t>α Errors στα οποία μπορεί να πάει. Μπ</a:t>
+            </a:r>
+            <a:r>
+              <a:rPr lang="en-US" sz="2200" dirty="0" err="1"/>
+              <a:t>ορεί</a:t>
+            </a:r>
+            <a:r>
+              <a:rPr lang="en-US" sz="2200" dirty="0"/>
+              <a:t>, </a:t>
+            </a:r>
+            <a:r>
+              <a:rPr lang="en-US" sz="2200" dirty="0" err="1"/>
+              <a:t>είτε</a:t>
+            </a:r>
+            <a:r>
+              <a:rPr lang="en-US" sz="2200" dirty="0"/>
+              <a:t> να «π</a:t>
+            </a:r>
+            <a:r>
+              <a:rPr lang="en-US" sz="2200" dirty="0" err="1"/>
+              <a:t>ετάξει</a:t>
+            </a:r>
+            <a:r>
+              <a:rPr lang="en-US" sz="2200" dirty="0"/>
+              <a:t>» Error 500, </a:t>
+            </a:r>
+            <a:r>
+              <a:rPr lang="en-US" sz="2200" dirty="0" err="1"/>
+              <a:t>δηλ</a:t>
+            </a:r>
+            <a:r>
+              <a:rPr lang="en-US" sz="2200" dirty="0"/>
+              <a:t>αδή ο Server να μην ανταποκρίνεται, είτε να πετάξει Error για λάθος ταυτοποίηση.</a:t>
+            </a:r>
+            <a:r>
+              <a:rPr lang="el-GR" sz="2200" dirty="0"/>
+              <a:t> (Για ενδεικτικούς λόγους, το </a:t>
+            </a:r>
+            <a:r>
+              <a:rPr lang="en-US" sz="2200" dirty="0"/>
+              <a:t>Error 500 </a:t>
+            </a:r>
+            <a:r>
+              <a:rPr lang="el-GR" sz="2200" dirty="0"/>
+              <a:t>βασίζεται στην τύχη)</a:t>
+            </a:r>
+            <a:endParaRPr lang="en-US" sz="2200" dirty="0"/>
+          </a:p>
+        </p:txBody>
+      </p:sp>
+    </p:spTree>
+    <p:extLst>
+      <p:ext uri="{BB962C8B-B14F-4D97-AF65-F5344CB8AC3E}">
+        <p14:creationId xmlns:p14="http://schemas.microsoft.com/office/powerpoint/2010/main" val="2745729347"/>
+      </p:ext>
+    </p:extLst>
+  </p:cSld>
+  <p:clrMapOvr>
+    <a:masterClrMapping/>
+  </p:clrMapOvr>
+</p:sld>
+</file>
+
+<file path=ppt/slides/slide13.xml><?xml version="1.0" encoding="utf-8"?>
+<p:sld xmlns:a="http://schemas.openxmlformats.org/drawingml/2006/main" xmlns:r="http://schemas.openxmlformats.org/officeDocument/2006/relationships" xmlns:p="http://schemas.openxmlformats.org/presentationml/2006/main">
+  <p:cSld>
+    <p:bg>
+      <p:bgPr>
+        <a:solidFill>
+          <a:schemeClr val="bg1"/>
+        </a:solidFill>
+        <a:effectLst/>
+      </p:bgPr>
+    </p:bg>
+    <p:spTree>
+      <p:nvGrpSpPr>
+        <p:cNvPr id="1" name=""/>
+        <p:cNvGrpSpPr/>
+        <p:nvPr/>
+      </p:nvGrpSpPr>
+      <p:grpSpPr>
+        <a:xfrm>
+          <a:off x="0" y="0"/>
+          <a:ext cx="0" cy="0"/>
+          <a:chOff x="0" y="0"/>
+          <a:chExt cx="0" cy="0"/>
+        </a:xfrm>
+      </p:grpSpPr>
+      <p:sp>
+        <p:nvSpPr>
+          <p:cNvPr id="11" name="Rectangle 10">
+            <a:extLst>
+              <a:ext uri="{FF2B5EF4-FFF2-40B4-BE49-F238E27FC236}">
+                <a16:creationId xmlns:a16="http://schemas.microsoft.com/office/drawing/2014/main" id="{3B8A6984-1230-49D7-B72E-DE41BBFCC08E}"/>
+              </a:ext>
+              <a:ext uri="{C183D7F6-B498-43B3-948B-1728B52AA6E4}">
+                <adec:decorative xmlns:adec="http://schemas.microsoft.com/office/drawing/2017/decorative" val="1"/>
+              </a:ext>
+            </a:extLst>
+          </p:cNvPr>
+          <p:cNvSpPr>
+            <a:spLocks noGrp="1" noRot="1" noChangeAspect="1" noMove="1" noResize="1" noEditPoints="1" noAdjustHandles="1" noChangeArrowheads="1" noChangeShapeType="1" noTextEdit="1"/>
+          </p:cNvSpPr>
+          <p:nvPr>
+            <p:extLst>
+              <p:ext uri="{386F3935-93C4-4BCD-93E2-E3B085C9AB24}">
+                <p16:designElem xmlns:p16="http://schemas.microsoft.com/office/powerpoint/2015/main" val="1"/>
+              </p:ext>
+            </p:extLst>
+          </p:nvPr>
+        </p:nvSpPr>
+        <p:spPr>
+          <a:xfrm>
+            <a:off x="0" y="0"/>
+            <a:ext cx="12192000" cy="6858000"/>
+          </a:xfrm>
+          <a:prstGeom prst="rect">
+            <a:avLst/>
+          </a:prstGeom>
+          <a:solidFill>
+            <a:schemeClr val="bg1"/>
+          </a:solidFill>
+          <a:ln w="12700" cap="flat" cmpd="sng" algn="ctr">
+            <a:noFill/>
+            <a:prstDash val="solid"/>
+            <a:miter lim="800000"/>
+          </a:ln>
+          <a:effectLst/>
+          <a:extLst>
+            <a:ext uri="{91240B29-F687-4F45-9708-019B960494DF}">
+              <a14:hiddenLine xmlns:a14="http://schemas.microsoft.com/office/drawing/2010/main" w="12700" cap="flat" cmpd="sng" algn="ctr">
+                <a:solidFill>
+                  <a:schemeClr val="accent1">
+                    <a:shade val="50000"/>
+                  </a:schemeClr>
+                </a:solidFill>
+                <a:prstDash val="solid"/>
+                <a:miter lim="800000"/>
+              </a14:hiddenLine>
+            </a:ext>
+          </a:extLst>
+        </p:spPr>
+        <p:style>
+          <a:lnRef idx="2">
+            <a:schemeClr val="accent1">
+              <a:shade val="50000"/>
+            </a:schemeClr>
+          </a:lnRef>
+          <a:fillRef idx="1">
+            <a:schemeClr val="accent1"/>
+          </a:fillRef>
+          <a:effectRef idx="0">
+            <a:schemeClr val="accent1"/>
+          </a:effectRef>
+          <a:fontRef idx="minor">
+            <a:schemeClr val="lt1"/>
+          </a:fontRef>
+        </p:style>
+        <p:txBody>
+          <a:bodyPr rtlCol="0" anchor="ctr"/>
+          <a:lstStyle/>
+          <a:p>
+            <a:pPr algn="ctr"/>
+            <a:endParaRPr lang="en-US"/>
+          </a:p>
+        </p:txBody>
+      </p:sp>
+      <p:sp>
+        <p:nvSpPr>
+          <p:cNvPr id="13" name="Rectangle 12">
+            <a:extLst>
+              <a:ext uri="{FF2B5EF4-FFF2-40B4-BE49-F238E27FC236}">
+                <a16:creationId xmlns:a16="http://schemas.microsoft.com/office/drawing/2014/main" id="{EBF87945-A001-489F-9D9B-7D9435F0B9CA}"/>
+              </a:ext>
+              <a:ext uri="{C183D7F6-B498-43B3-948B-1728B52AA6E4}">
+                <adec:decorative xmlns:adec="http://schemas.microsoft.com/office/drawing/2017/decorative" val="1"/>
+              </a:ext>
+            </a:extLst>
+          </p:cNvPr>
+          <p:cNvSpPr>
+            <a:spLocks noGrp="1" noRot="1" noChangeAspect="1" noMove="1" noResize="1" noEditPoints="1" noAdjustHandles="1" noChangeArrowheads="1" noChangeShapeType="1" noTextEdit="1"/>
+          </p:cNvSpPr>
+          <p:nvPr>
+            <p:extLst>
+              <p:ext uri="{386F3935-93C4-4BCD-93E2-E3B085C9AB24}">
+                <p16:designElem xmlns:p16="http://schemas.microsoft.com/office/powerpoint/2015/main" val="1"/>
+              </p:ext>
+            </p:extLst>
+          </p:nvPr>
+        </p:nvSpPr>
+        <p:spPr>
+          <a:xfrm>
+            <a:off x="0" y="1"/>
+            <a:ext cx="12192000" cy="1911096"/>
+          </a:xfrm>
+          <a:prstGeom prst="rect">
+            <a:avLst/>
+          </a:prstGeom>
+          <a:solidFill>
+            <a:schemeClr val="tx1">
+              <a:lumMod val="75000"/>
+              <a:lumOff val="25000"/>
+            </a:schemeClr>
+          </a:solidFill>
+          <a:ln>
+            <a:noFill/>
+          </a:ln>
+        </p:spPr>
+        <p:style>
+          <a:lnRef idx="2">
+            <a:schemeClr val="accent1">
+              <a:shade val="50000"/>
+            </a:schemeClr>
+          </a:lnRef>
+          <a:fillRef idx="1">
+            <a:schemeClr val="accent1"/>
+          </a:fillRef>
+          <a:effectRef idx="0">
+            <a:schemeClr val="accent1"/>
+          </a:effectRef>
+          <a:fontRef idx="minor">
+            <a:schemeClr val="lt1"/>
+          </a:fontRef>
+        </p:style>
+        <p:txBody>
+          <a:bodyPr rtlCol="0" anchor="ctr"/>
+          <a:lstStyle/>
+          <a:p>
+            <a:pPr algn="ctr"/>
+            <a:endParaRPr lang="en-US"/>
+          </a:p>
+        </p:txBody>
+      </p:sp>
+      <p:sp>
+        <p:nvSpPr>
+          <p:cNvPr id="2" name="Title 1">
+            <a:extLst>
+              <a:ext uri="{FF2B5EF4-FFF2-40B4-BE49-F238E27FC236}">
+                <a16:creationId xmlns:a16="http://schemas.microsoft.com/office/drawing/2014/main" id="{F88E7750-F270-5D4A-C3BC-F2AC296576FF}"/>
+              </a:ext>
+            </a:extLst>
+          </p:cNvPr>
+          <p:cNvSpPr>
+            <a:spLocks noGrp="1"/>
+          </p:cNvSpPr>
+          <p:nvPr>
+            <p:ph type="title"/>
+          </p:nvPr>
+        </p:nvSpPr>
+        <p:spPr>
+          <a:xfrm>
+            <a:off x="838200" y="365760"/>
+            <a:ext cx="10515600" cy="1325563"/>
+          </a:xfrm>
+        </p:spPr>
+        <p:txBody>
+          <a:bodyPr vert="horz" lIns="91440" tIns="45720" rIns="91440" bIns="45720" rtlCol="0" anchor="ctr">
+            <a:normAutofit/>
+          </a:bodyPr>
+          <a:lstStyle/>
+          <a:p>
+            <a:r>
+              <a:rPr lang="en-US">
+                <a:solidFill>
+                  <a:schemeClr val="bg1"/>
+                </a:solidFill>
+              </a:rPr>
+              <a:t>ΠΑΡΑΔΕΙΓΜΑ ΚΩΔΙΚΑ ΤΟΥ RETRY PATTERN </a:t>
+            </a:r>
+          </a:p>
+        </p:txBody>
+      </p:sp>
+      <p:pic>
+        <p:nvPicPr>
+          <p:cNvPr id="6" name="Content Placeholder 5">
+            <a:extLst>
+              <a:ext uri="{FF2B5EF4-FFF2-40B4-BE49-F238E27FC236}">
+                <a16:creationId xmlns:a16="http://schemas.microsoft.com/office/drawing/2014/main" id="{F77D2E0A-B966-0045-C471-27EDF7DC4C9D}"/>
+              </a:ext>
+            </a:extLst>
+          </p:cNvPr>
+          <p:cNvPicPr>
+            <a:picLocks noGrp="1" noChangeAspect="1"/>
+          </p:cNvPicPr>
+          <p:nvPr>
+            <p:ph sz="half" idx="1"/>
+          </p:nvPr>
+        </p:nvPicPr>
+        <p:blipFill rotWithShape="1">
+          <a:blip r:embed="rId2"/>
+          <a:srcRect r="27984" b="-1"/>
+          <a:stretch/>
+        </p:blipFill>
+        <p:spPr>
+          <a:xfrm>
+            <a:off x="841248" y="2276857"/>
+            <a:ext cx="5015483" cy="3900106"/>
+          </a:xfrm>
+          <a:prstGeom prst="rect">
+            <a:avLst/>
+          </a:prstGeom>
+        </p:spPr>
+      </p:pic>
+      <p:sp>
+        <p:nvSpPr>
+          <p:cNvPr id="4" name="Content Placeholder 3">
+            <a:extLst>
+              <a:ext uri="{FF2B5EF4-FFF2-40B4-BE49-F238E27FC236}">
+                <a16:creationId xmlns:a16="http://schemas.microsoft.com/office/drawing/2014/main" id="{915200D7-5E84-9759-7A93-8025418FE4C8}"/>
+              </a:ext>
+            </a:extLst>
+          </p:cNvPr>
+          <p:cNvSpPr>
+            <a:spLocks noGrp="1"/>
+          </p:cNvSpPr>
+          <p:nvPr>
+            <p:ph sz="half" idx="2"/>
+          </p:nvPr>
+        </p:nvSpPr>
+        <p:spPr>
+          <a:xfrm>
+            <a:off x="6335270" y="2276857"/>
+            <a:ext cx="5015484" cy="3900106"/>
+          </a:xfrm>
+        </p:spPr>
+        <p:txBody>
+          <a:bodyPr vert="horz" lIns="91440" tIns="45720" rIns="91440" bIns="45720" rtlCol="0" anchor="ctr">
+            <a:normAutofit/>
+          </a:bodyPr>
+          <a:lstStyle/>
           <a:p>
             <a:pPr marL="0" indent="0">
               <a:buNone/>
             </a:pPr>
             <a:r>
-              <a:rPr lang="el-GR" dirty="0"/>
+              <a:rPr lang="en-US" sz="2200" dirty="0"/>
+              <a:t>H </a:t>
+            </a:r>
+            <a:r>
+              <a:rPr lang="en-US" sz="2200" dirty="0" err="1"/>
+              <a:t>κλάση</a:t>
+            </a:r>
+            <a:r>
+              <a:rPr lang="en-US" sz="2200" dirty="0"/>
+              <a:t> Retry θα </a:t>
+            </a:r>
+            <a:r>
+              <a:rPr lang="en-US" sz="2200" dirty="0" err="1"/>
+              <a:t>φροντίσει</a:t>
+            </a:r>
+            <a:r>
+              <a:rPr lang="en-US" sz="2200" dirty="0"/>
+              <a:t> να ξαναπ</a:t>
+            </a:r>
+            <a:r>
+              <a:rPr lang="en-US" sz="2200" dirty="0" err="1"/>
+              <a:t>ροσ</a:t>
+            </a:r>
+            <a:r>
+              <a:rPr lang="en-US" sz="2200" dirty="0"/>
+              <a:t>παθήσει να συνδεθεί στον Server εάν κωλύεται λόγω Error 500. </a:t>
+            </a:r>
+            <a:r>
+              <a:rPr lang="en-US" sz="2200" dirty="0" err="1"/>
+              <a:t>Ωστόσο</a:t>
+            </a:r>
+            <a:r>
+              <a:rPr lang="en-US" sz="2200" dirty="0"/>
+              <a:t>, αν </a:t>
+            </a:r>
+            <a:r>
+              <a:rPr lang="en-US" sz="2200" dirty="0" err="1"/>
+              <a:t>ξε</a:t>
+            </a:r>
+            <a:r>
+              <a:rPr lang="en-US" sz="2200" dirty="0"/>
+              <a:t>περαστεί το όριο των 5 φορών, η εφαρμογή θα σταματήσει να προσπαθεί να συνδεθεί. </a:t>
+            </a:r>
+            <a:r>
+              <a:rPr lang="en-US" sz="2200" b="1" dirty="0" err="1"/>
+              <a:t>Βέ</a:t>
+            </a:r>
+            <a:r>
+              <a:rPr lang="en-US" sz="2200" b="1" dirty="0"/>
+              <a:t>βαια, αν ο χρήστης δώσει λάθος στοιχεία σύνδεσης, η εφαρμογή δεν θα προσπαθήσει δέυτερη φορά. </a:t>
+            </a:r>
+            <a:r>
+              <a:rPr lang="en-US" sz="2200" b="1" dirty="0" err="1"/>
+              <a:t>Αλλά</a:t>
+            </a:r>
+            <a:r>
+              <a:rPr lang="en-US" sz="2200" b="1" dirty="0"/>
+              <a:t>, θα </a:t>
+            </a:r>
+            <a:r>
+              <a:rPr lang="en-US" sz="2200" b="1" dirty="0" err="1"/>
+              <a:t>ενημερώσει</a:t>
+            </a:r>
+            <a:r>
+              <a:rPr lang="en-US" sz="2200" b="1" dirty="0"/>
+              <a:t> κατ’ </a:t>
+            </a:r>
+            <a:r>
+              <a:rPr lang="en-US" sz="2200" b="1" dirty="0" err="1"/>
+              <a:t>ευθεί</a:t>
+            </a:r>
+            <a:r>
+              <a:rPr lang="en-US" sz="2200" b="1" dirty="0"/>
+              <a:t>αν τον χρήστη.</a:t>
+            </a:r>
+            <a:endParaRPr lang="en-US" sz="2200" dirty="0"/>
+          </a:p>
+        </p:txBody>
+      </p:sp>
+    </p:spTree>
+    <p:extLst>
+      <p:ext uri="{BB962C8B-B14F-4D97-AF65-F5344CB8AC3E}">
+        <p14:creationId xmlns:p14="http://schemas.microsoft.com/office/powerpoint/2010/main" val="1933701257"/>
+      </p:ext>
+    </p:extLst>
+  </p:cSld>
+  <p:clrMapOvr>
+    <a:masterClrMapping/>
+  </p:clrMapOvr>
+</p:sld>
+</file>
+
+<file path=ppt/slides/slide14.xml><?xml version="1.0" encoding="utf-8"?>
+<p:sld xmlns:a="http://schemas.openxmlformats.org/drawingml/2006/main" xmlns:r="http://schemas.openxmlformats.org/officeDocument/2006/relationships" xmlns:p="http://schemas.openxmlformats.org/presentationml/2006/main">
+  <p:cSld>
+    <p:bg>
+      <p:bgPr>
+        <a:solidFill>
+          <a:schemeClr val="bg1"/>
+        </a:solidFill>
+        <a:effectLst/>
+      </p:bgPr>
+    </p:bg>
+    <p:spTree>
+      <p:nvGrpSpPr>
+        <p:cNvPr id="1" name=""/>
+        <p:cNvGrpSpPr/>
+        <p:nvPr/>
+      </p:nvGrpSpPr>
+      <p:grpSpPr>
+        <a:xfrm>
+          <a:off x="0" y="0"/>
+          <a:ext cx="0" cy="0"/>
+          <a:chOff x="0" y="0"/>
+          <a:chExt cx="0" cy="0"/>
+        </a:xfrm>
+      </p:grpSpPr>
+      <p:sp>
+        <p:nvSpPr>
+          <p:cNvPr id="12" name="Rectangle 11">
+            <a:extLst>
+              <a:ext uri="{FF2B5EF4-FFF2-40B4-BE49-F238E27FC236}">
+                <a16:creationId xmlns:a16="http://schemas.microsoft.com/office/drawing/2014/main" id="{D4D28E87-62D2-4602-B72F-5F74AA236CC3}"/>
+              </a:ext>
+              <a:ext uri="{C183D7F6-B498-43B3-948B-1728B52AA6E4}">
+                <adec:decorative xmlns:adec="http://schemas.microsoft.com/office/drawing/2017/decorative" val="1"/>
+              </a:ext>
+            </a:extLst>
+          </p:cNvPr>
+          <p:cNvSpPr>
+            <a:spLocks noGrp="1" noRot="1" noChangeAspect="1" noMove="1" noResize="1" noEditPoints="1" noAdjustHandles="1" noChangeArrowheads="1" noChangeShapeType="1" noTextEdit="1"/>
+          </p:cNvSpPr>
+          <p:nvPr>
+            <p:extLst>
+              <p:ext uri="{386F3935-93C4-4BCD-93E2-E3B085C9AB24}">
+                <p16:designElem xmlns:p16="http://schemas.microsoft.com/office/powerpoint/2015/main" val="1"/>
+              </p:ext>
+            </p:extLst>
+          </p:nvPr>
+        </p:nvSpPr>
+        <p:spPr>
+          <a:xfrm>
+            <a:off x="-1" y="0"/>
+            <a:ext cx="12192001" cy="1915064"/>
+          </a:xfrm>
+          <a:prstGeom prst="rect">
+            <a:avLst/>
+          </a:prstGeom>
+          <a:ln>
+            <a:noFill/>
+          </a:ln>
+        </p:spPr>
+        <p:style>
+          <a:lnRef idx="2">
+            <a:schemeClr val="accent1">
+              <a:shade val="50000"/>
+            </a:schemeClr>
+          </a:lnRef>
+          <a:fillRef idx="1">
+            <a:schemeClr val="accent1"/>
+          </a:fillRef>
+          <a:effectRef idx="0">
+            <a:schemeClr val="accent1"/>
+          </a:effectRef>
+          <a:fontRef idx="minor">
+            <a:schemeClr val="lt1"/>
+          </a:fontRef>
+        </p:style>
+        <p:txBody>
+          <a:bodyPr rtlCol="0" anchor="ctr"/>
+          <a:lstStyle/>
+          <a:p>
+            <a:pPr algn="ctr"/>
+            <a:endParaRPr lang="en-US" dirty="0"/>
+          </a:p>
+        </p:txBody>
+      </p:sp>
+      <p:sp>
+        <p:nvSpPr>
+          <p:cNvPr id="2" name="Title 1">
+            <a:extLst>
+              <a:ext uri="{FF2B5EF4-FFF2-40B4-BE49-F238E27FC236}">
+                <a16:creationId xmlns:a16="http://schemas.microsoft.com/office/drawing/2014/main" id="{4F70A976-6813-9EA1-9AE7-1356B88CC13E}"/>
+              </a:ext>
+            </a:extLst>
+          </p:cNvPr>
+          <p:cNvSpPr>
+            <a:spLocks noGrp="1"/>
+          </p:cNvSpPr>
+          <p:nvPr>
+            <p:ph type="title"/>
+          </p:nvPr>
+        </p:nvSpPr>
+        <p:spPr>
+          <a:xfrm>
+            <a:off x="838199" y="291090"/>
+            <a:ext cx="10515599" cy="932688"/>
+          </a:xfrm>
+        </p:spPr>
+        <p:txBody>
+          <a:bodyPr vert="horz" lIns="91440" tIns="45720" rIns="91440" bIns="45720" rtlCol="0" anchor="b">
+            <a:normAutofit/>
+          </a:bodyPr>
+          <a:lstStyle/>
+          <a:p>
+            <a:pPr algn="ctr"/>
+            <a:r>
+              <a:rPr lang="en-US" sz="5400" kern="1200">
+                <a:solidFill>
+                  <a:schemeClr val="bg1"/>
+                </a:solidFill>
+                <a:latin typeface="+mj-lt"/>
+                <a:ea typeface="+mj-ea"/>
+                <a:cs typeface="+mj-cs"/>
+              </a:rPr>
+              <a:t>CLASS DIAGRAM ΤΟΥ RETRY PATTERN</a:t>
+            </a:r>
+          </a:p>
+        </p:txBody>
+      </p:sp>
+      <p:pic>
+        <p:nvPicPr>
+          <p:cNvPr id="7" name="Content Placeholder 6">
+            <a:extLst>
+              <a:ext uri="{FF2B5EF4-FFF2-40B4-BE49-F238E27FC236}">
+                <a16:creationId xmlns:a16="http://schemas.microsoft.com/office/drawing/2014/main" id="{475225E8-B50A-EE74-8E96-8E08D36496DD}"/>
+              </a:ext>
+            </a:extLst>
+          </p:cNvPr>
+          <p:cNvPicPr>
+            <a:picLocks noGrp="1" noChangeAspect="1"/>
+          </p:cNvPicPr>
+          <p:nvPr>
+            <p:ph idx="1"/>
+          </p:nvPr>
+        </p:nvPicPr>
+        <p:blipFill>
+          <a:blip r:embed="rId2"/>
+          <a:stretch>
+            <a:fillRect/>
+          </a:stretch>
+        </p:blipFill>
+        <p:spPr>
+          <a:xfrm>
+            <a:off x="838200" y="2289708"/>
+            <a:ext cx="10515599" cy="3864481"/>
+          </a:xfrm>
+          <a:prstGeom prst="rect">
+            <a:avLst/>
+          </a:prstGeom>
+        </p:spPr>
+      </p:pic>
+    </p:spTree>
+    <p:extLst>
+      <p:ext uri="{BB962C8B-B14F-4D97-AF65-F5344CB8AC3E}">
+        <p14:creationId xmlns:p14="http://schemas.microsoft.com/office/powerpoint/2010/main" val="4036361731"/>
+      </p:ext>
+    </p:extLst>
+  </p:cSld>
+  <p:clrMapOvr>
+    <a:masterClrMapping/>
+  </p:clrMapOvr>
+</p:sld>
+</file>
+
+<file path=ppt/slides/slide2.xml><?xml version="1.0" encoding="utf-8"?>
+<p:sld xmlns:a="http://schemas.openxmlformats.org/drawingml/2006/main" xmlns:r="http://schemas.openxmlformats.org/officeDocument/2006/relationships" xmlns:p="http://schemas.openxmlformats.org/presentationml/2006/main">
+  <p:cSld>
+    <p:bg>
+      <p:bgPr>
+        <a:solidFill>
+          <a:schemeClr val="bg1"/>
+        </a:solidFill>
+        <a:effectLst/>
+      </p:bgPr>
+    </p:bg>
+    <p:spTree>
+      <p:nvGrpSpPr>
+        <p:cNvPr id="1" name=""/>
+        <p:cNvGrpSpPr/>
+        <p:nvPr/>
+      </p:nvGrpSpPr>
+      <p:grpSpPr>
+        <a:xfrm>
+          <a:off x="0" y="0"/>
+          <a:ext cx="0" cy="0"/>
+          <a:chOff x="0" y="0"/>
+          <a:chExt cx="0" cy="0"/>
+        </a:xfrm>
+      </p:grpSpPr>
+      <p:sp useBgFill="1">
+        <p:nvSpPr>
+          <p:cNvPr id="13" name="Rectangle 7">
+            <a:extLst>
+              <a:ext uri="{FF2B5EF4-FFF2-40B4-BE49-F238E27FC236}">
+                <a16:creationId xmlns:a16="http://schemas.microsoft.com/office/drawing/2014/main" id="{827B839B-9ADE-406B-8590-F1CAEDED45A1}"/>
+              </a:ext>
+              <a:ext uri="{C183D7F6-B498-43B3-948B-1728B52AA6E4}">
+                <adec:decorative xmlns:adec="http://schemas.microsoft.com/office/drawing/2017/decorative" val="1"/>
+              </a:ext>
+            </a:extLst>
+          </p:cNvPr>
+          <p:cNvSpPr>
+            <a:spLocks noGrp="1" noRot="1" noChangeAspect="1" noMove="1" noResize="1" noEditPoints="1" noAdjustHandles="1" noChangeArrowheads="1" noChangeShapeType="1" noTextEdit="1"/>
+          </p:cNvSpPr>
+          <p:nvPr>
+            <p:extLst>
+              <p:ext uri="{386F3935-93C4-4BCD-93E2-E3B085C9AB24}">
+                <p16:designElem xmlns:p16="http://schemas.microsoft.com/office/powerpoint/2015/main" val="1"/>
+              </p:ext>
+            </p:extLst>
+          </p:nvPr>
+        </p:nvSpPr>
+        <p:spPr>
+          <a:xfrm>
+            <a:off x="0" y="0"/>
+            <a:ext cx="12188952" cy="6858000"/>
+          </a:xfrm>
+          <a:prstGeom prst="rect">
+            <a:avLst/>
+          </a:prstGeom>
+          <a:ln>
+            <a:noFill/>
+          </a:ln>
+        </p:spPr>
+        <p:style>
+          <a:lnRef idx="2">
+            <a:schemeClr val="accent1">
+              <a:shade val="50000"/>
+            </a:schemeClr>
+          </a:lnRef>
+          <a:fillRef idx="1">
+            <a:schemeClr val="accent1"/>
+          </a:fillRef>
+          <a:effectRef idx="0">
+            <a:schemeClr val="accent1"/>
+          </a:effectRef>
+          <a:fontRef idx="minor">
+            <a:schemeClr val="lt1"/>
+          </a:fontRef>
+        </p:style>
+        <p:txBody>
+          <a:bodyPr rtlCol="0" anchor="ctr"/>
+          <a:lstStyle/>
+          <a:p>
+            <a:pPr algn="ctr"/>
+            <a:endParaRPr lang="en-US"/>
+          </a:p>
+        </p:txBody>
+      </p:sp>
+      <p:sp>
+        <p:nvSpPr>
+          <p:cNvPr id="15" name="Freeform 45">
+            <a:extLst>
+              <a:ext uri="{FF2B5EF4-FFF2-40B4-BE49-F238E27FC236}">
+                <a16:creationId xmlns:a16="http://schemas.microsoft.com/office/drawing/2014/main" id="{CFE45BF0-46DB-408C-B5F7-7B11716805D4}"/>
+              </a:ext>
+              <a:ext uri="{C183D7F6-B498-43B3-948B-1728B52AA6E4}">
+                <adec:decorative xmlns:adec="http://schemas.microsoft.com/office/drawing/2017/decorative" val="1"/>
+              </a:ext>
+            </a:extLst>
+          </p:cNvPr>
+          <p:cNvSpPr>
+            <a:spLocks noGrp="1" noRot="1" noChangeAspect="1" noMove="1" noResize="1" noEditPoints="1" noAdjustHandles="1" noChangeArrowheads="1" noChangeShapeType="1" noTextEdit="1"/>
+          </p:cNvSpPr>
+          <p:nvPr>
+            <p:extLst>
+              <p:ext uri="{386F3935-93C4-4BCD-93E2-E3B085C9AB24}">
+                <p16:designElem xmlns:p16="http://schemas.microsoft.com/office/powerpoint/2015/main" val="1"/>
+              </p:ext>
+            </p:extLst>
+          </p:nvPr>
+        </p:nvSpPr>
+        <p:spPr bwMode="auto">
+          <a:xfrm>
+            <a:off x="409710" y="1022350"/>
+            <a:ext cx="709612" cy="2095501"/>
+          </a:xfrm>
+          <a:custGeom>
+            <a:avLst/>
+            <a:gdLst>
+              <a:gd name="T0" fmla="*/ 447 w 447"/>
+              <a:gd name="T1" fmla="*/ 1363 h 1363"/>
+              <a:gd name="T2" fmla="*/ 0 w 447"/>
+              <a:gd name="T3" fmla="*/ 987 h 1363"/>
+              <a:gd name="T4" fmla="*/ 0 w 447"/>
+              <a:gd name="T5" fmla="*/ 0 h 1363"/>
+              <a:gd name="T6" fmla="*/ 447 w 447"/>
+              <a:gd name="T7" fmla="*/ 376 h 1363"/>
+              <a:gd name="T8" fmla="*/ 447 w 447"/>
+              <a:gd name="T9" fmla="*/ 1363 h 1363"/>
+            </a:gdLst>
+            <a:ahLst/>
+            <a:cxnLst>
+              <a:cxn ang="0">
+                <a:pos x="T0" y="T1"/>
+              </a:cxn>
+              <a:cxn ang="0">
+                <a:pos x="T2" y="T3"/>
+              </a:cxn>
+              <a:cxn ang="0">
+                <a:pos x="T4" y="T5"/>
+              </a:cxn>
+              <a:cxn ang="0">
+                <a:pos x="T6" y="T7"/>
+              </a:cxn>
+              <a:cxn ang="0">
+                <a:pos x="T8" y="T9"/>
+              </a:cxn>
+            </a:cxnLst>
+            <a:rect l="0" t="0" r="r" b="b"/>
+            <a:pathLst>
+              <a:path w="447" h="1363">
+                <a:moveTo>
+                  <a:pt x="447" y="1363"/>
+                </a:moveTo>
+                <a:lnTo>
+                  <a:pt x="0" y="987"/>
+                </a:lnTo>
+                <a:lnTo>
+                  <a:pt x="0" y="0"/>
+                </a:lnTo>
+                <a:lnTo>
+                  <a:pt x="447" y="376"/>
+                </a:lnTo>
+                <a:lnTo>
+                  <a:pt x="447" y="1363"/>
+                </a:lnTo>
+                <a:close/>
+              </a:path>
+            </a:pathLst>
+          </a:custGeom>
+          <a:solidFill>
+            <a:schemeClr val="accent1">
+              <a:lumMod val="50000"/>
+            </a:schemeClr>
+          </a:solidFill>
+          <a:ln>
+            <a:noFill/>
+          </a:ln>
+        </p:spPr>
+        <p:txBody>
+          <a:bodyPr vert="horz" wrap="square" lIns="91440" tIns="45720" rIns="91440" bIns="45720" numCol="1" anchor="t" anchorCtr="0" compatLnSpc="1">
+            <a:prstTxWarp prst="textNoShape">
+              <a:avLst/>
+            </a:prstTxWarp>
+          </a:bodyPr>
+          <a:lstStyle/>
+          <a:p>
+            <a:endParaRPr lang="en-US"/>
+          </a:p>
+        </p:txBody>
+      </p:sp>
+      <p:sp>
+        <p:nvSpPr>
+          <p:cNvPr id="12" name="Freeform 46">
+            <a:extLst>
+              <a:ext uri="{FF2B5EF4-FFF2-40B4-BE49-F238E27FC236}">
+                <a16:creationId xmlns:a16="http://schemas.microsoft.com/office/drawing/2014/main" id="{2AEBC8F2-97B1-41B4-93F1-2D289E197FBA}"/>
+              </a:ext>
+              <a:ext uri="{C183D7F6-B498-43B3-948B-1728B52AA6E4}">
+                <adec:decorative xmlns:adec="http://schemas.microsoft.com/office/drawing/2017/decorative" val="1"/>
+              </a:ext>
+            </a:extLst>
+          </p:cNvPr>
+          <p:cNvSpPr>
+            <a:spLocks noGrp="1" noRot="1" noChangeAspect="1" noMove="1" noResize="1" noEditPoints="1" noAdjustHandles="1" noChangeArrowheads="1" noChangeShapeType="1" noTextEdit="1"/>
+          </p:cNvSpPr>
+          <p:nvPr>
+            <p:extLst>
+              <p:ext uri="{386F3935-93C4-4BCD-93E2-E3B085C9AB24}">
+                <p16:designElem xmlns:p16="http://schemas.microsoft.com/office/powerpoint/2015/main" val="1"/>
+              </p:ext>
+            </p:extLst>
+          </p:nvPr>
+        </p:nvSpPr>
+        <p:spPr bwMode="auto">
+          <a:xfrm>
+            <a:off x="409710" y="837744"/>
+            <a:ext cx="403225" cy="1705431"/>
+          </a:xfrm>
+          <a:custGeom>
+            <a:avLst/>
+            <a:gdLst>
+              <a:gd name="T0" fmla="*/ 254 w 254"/>
+              <a:gd name="T1" fmla="*/ 987 h 1109"/>
+              <a:gd name="T2" fmla="*/ 0 w 254"/>
+              <a:gd name="T3" fmla="*/ 1109 h 1109"/>
+              <a:gd name="T4" fmla="*/ 0 w 254"/>
+              <a:gd name="T5" fmla="*/ 119 h 1109"/>
+              <a:gd name="T6" fmla="*/ 254 w 254"/>
+              <a:gd name="T7" fmla="*/ 0 h 1109"/>
+              <a:gd name="T8" fmla="*/ 254 w 254"/>
+              <a:gd name="T9" fmla="*/ 987 h 1109"/>
+            </a:gdLst>
+            <a:ahLst/>
+            <a:cxnLst>
+              <a:cxn ang="0">
+                <a:pos x="T0" y="T1"/>
+              </a:cxn>
+              <a:cxn ang="0">
+                <a:pos x="T2" y="T3"/>
+              </a:cxn>
+              <a:cxn ang="0">
+                <a:pos x="T4" y="T5"/>
+              </a:cxn>
+              <a:cxn ang="0">
+                <a:pos x="T6" y="T7"/>
+              </a:cxn>
+              <a:cxn ang="0">
+                <a:pos x="T8" y="T9"/>
+              </a:cxn>
+            </a:cxnLst>
+            <a:rect l="0" t="0" r="r" b="b"/>
+            <a:pathLst>
+              <a:path w="254" h="1109">
+                <a:moveTo>
+                  <a:pt x="254" y="987"/>
+                </a:moveTo>
+                <a:lnTo>
+                  <a:pt x="0" y="1109"/>
+                </a:lnTo>
+                <a:lnTo>
+                  <a:pt x="0" y="119"/>
+                </a:lnTo>
+                <a:lnTo>
+                  <a:pt x="254" y="0"/>
+                </a:lnTo>
+                <a:lnTo>
+                  <a:pt x="254" y="987"/>
+                </a:lnTo>
+                <a:close/>
+              </a:path>
+            </a:pathLst>
+          </a:custGeom>
+          <a:solidFill>
+            <a:schemeClr val="accent1">
+              <a:lumMod val="75000"/>
+            </a:schemeClr>
+          </a:solidFill>
+          <a:ln>
+            <a:noFill/>
+          </a:ln>
+        </p:spPr>
+        <p:txBody>
+          <a:bodyPr vert="horz" wrap="square" lIns="91440" tIns="45720" rIns="91440" bIns="45720" numCol="1" anchor="t" anchorCtr="0" compatLnSpc="1">
+            <a:prstTxWarp prst="textNoShape">
+              <a:avLst/>
+            </a:prstTxWarp>
+          </a:bodyPr>
+          <a:lstStyle/>
+          <a:p>
+            <a:endParaRPr lang="en-US"/>
+          </a:p>
+        </p:txBody>
+      </p:sp>
+      <p:sp>
+        <p:nvSpPr>
+          <p:cNvPr id="14" name="Freeform 47">
+            <a:extLst>
+              <a:ext uri="{FF2B5EF4-FFF2-40B4-BE49-F238E27FC236}">
+                <a16:creationId xmlns:a16="http://schemas.microsoft.com/office/drawing/2014/main" id="{472E3A19-F5D5-48FC-BB9C-48C2F68F598B}"/>
+              </a:ext>
+              <a:ext uri="{C183D7F6-B498-43B3-948B-1728B52AA6E4}">
+                <adec:decorative xmlns:adec="http://schemas.microsoft.com/office/drawing/2017/decorative" val="1"/>
+              </a:ext>
+            </a:extLst>
+          </p:cNvPr>
+          <p:cNvSpPr>
+            <a:spLocks noGrp="1" noRot="1" noChangeAspect="1" noMove="1" noResize="1" noEditPoints="1" noAdjustHandles="1" noChangeArrowheads="1" noChangeShapeType="1" noTextEdit="1"/>
+          </p:cNvSpPr>
+          <p:nvPr>
+            <p:extLst>
+              <p:ext uri="{386F3935-93C4-4BCD-93E2-E3B085C9AB24}">
+                <p16:designElem xmlns:p16="http://schemas.microsoft.com/office/powerpoint/2015/main" val="1"/>
+              </p:ext>
+            </p:extLst>
+          </p:nvPr>
+        </p:nvSpPr>
+        <p:spPr bwMode="auto">
+          <a:xfrm>
+            <a:off x="644660" y="640894"/>
+            <a:ext cx="168275" cy="1713195"/>
+          </a:xfrm>
+          <a:custGeom>
+            <a:avLst/>
+            <a:gdLst>
+              <a:gd name="T0" fmla="*/ 106 w 106"/>
+              <a:gd name="T1" fmla="*/ 1114 h 1114"/>
+              <a:gd name="T2" fmla="*/ 0 w 106"/>
+              <a:gd name="T3" fmla="*/ 1005 h 1114"/>
+              <a:gd name="T4" fmla="*/ 0 w 106"/>
+              <a:gd name="T5" fmla="*/ 0 h 1114"/>
+              <a:gd name="T6" fmla="*/ 106 w 106"/>
+              <a:gd name="T7" fmla="*/ 110 h 1114"/>
+              <a:gd name="T8" fmla="*/ 106 w 106"/>
+              <a:gd name="T9" fmla="*/ 1114 h 1114"/>
+            </a:gdLst>
+            <a:ahLst/>
+            <a:cxnLst>
+              <a:cxn ang="0">
+                <a:pos x="T0" y="T1"/>
+              </a:cxn>
+              <a:cxn ang="0">
+                <a:pos x="T2" y="T3"/>
+              </a:cxn>
+              <a:cxn ang="0">
+                <a:pos x="T4" y="T5"/>
+              </a:cxn>
+              <a:cxn ang="0">
+                <a:pos x="T6" y="T7"/>
+              </a:cxn>
+              <a:cxn ang="0">
+                <a:pos x="T8" y="T9"/>
+              </a:cxn>
+            </a:cxnLst>
+            <a:rect l="0" t="0" r="r" b="b"/>
+            <a:pathLst>
+              <a:path w="106" h="1114">
+                <a:moveTo>
+                  <a:pt x="106" y="1114"/>
+                </a:moveTo>
+                <a:lnTo>
+                  <a:pt x="0" y="1005"/>
+                </a:lnTo>
+                <a:lnTo>
+                  <a:pt x="0" y="0"/>
+                </a:lnTo>
+                <a:lnTo>
+                  <a:pt x="106" y="110"/>
+                </a:lnTo>
+                <a:lnTo>
+                  <a:pt x="106" y="1114"/>
+                </a:lnTo>
+                <a:close/>
+              </a:path>
+            </a:pathLst>
+          </a:custGeom>
+          <a:solidFill>
+            <a:schemeClr val="accent1">
+              <a:lumMod val="50000"/>
+            </a:schemeClr>
+          </a:solidFill>
+          <a:ln>
+            <a:noFill/>
+          </a:ln>
+        </p:spPr>
+        <p:txBody>
+          <a:bodyPr vert="horz" wrap="square" lIns="91440" tIns="45720" rIns="91440" bIns="45720" numCol="1" anchor="t" anchorCtr="0" compatLnSpc="1">
+            <a:prstTxWarp prst="textNoShape">
+              <a:avLst/>
+            </a:prstTxWarp>
+          </a:bodyPr>
+          <a:lstStyle/>
+          <a:p>
+            <a:endParaRPr lang="en-US"/>
+          </a:p>
+        </p:txBody>
+      </p:sp>
+      <p:sp>
+        <p:nvSpPr>
+          <p:cNvPr id="16" name="Freeform 44">
+            <a:extLst>
+              <a:ext uri="{FF2B5EF4-FFF2-40B4-BE49-F238E27FC236}">
+                <a16:creationId xmlns:a16="http://schemas.microsoft.com/office/drawing/2014/main" id="{7A62E32F-BB65-43A8-8EB5-92346890E549}"/>
+              </a:ext>
+              <a:ext uri="{C183D7F6-B498-43B3-948B-1728B52AA6E4}">
+                <adec:decorative xmlns:adec="http://schemas.microsoft.com/office/drawing/2017/decorative" val="1"/>
+              </a:ext>
+            </a:extLst>
+          </p:cNvPr>
+          <p:cNvSpPr>
+            <a:spLocks noGrp="1" noRot="1" noChangeAspect="1" noMove="1" noResize="1" noEditPoints="1" noAdjustHandles="1" noChangeArrowheads="1" noChangeShapeType="1" noTextEdit="1"/>
+          </p:cNvSpPr>
+          <p:nvPr>
+            <p:extLst>
+              <p:ext uri="{386F3935-93C4-4BCD-93E2-E3B085C9AB24}">
+                <p16:designElem xmlns:p16="http://schemas.microsoft.com/office/powerpoint/2015/main" val="1"/>
+              </p:ext>
+            </p:extLst>
+          </p:nvPr>
+        </p:nvSpPr>
+        <p:spPr bwMode="auto">
+          <a:xfrm>
+            <a:off x="11223203" y="635716"/>
+            <a:ext cx="328612" cy="1742360"/>
+          </a:xfrm>
+          <a:custGeom>
+            <a:avLst/>
+            <a:gdLst>
+              <a:gd name="T0" fmla="*/ 207 w 207"/>
+              <a:gd name="T1" fmla="*/ 987 h 1114"/>
+              <a:gd name="T2" fmla="*/ 0 w 207"/>
+              <a:gd name="T3" fmla="*/ 1114 h 1114"/>
+              <a:gd name="T4" fmla="*/ 0 w 207"/>
+              <a:gd name="T5" fmla="*/ 127 h 1114"/>
+              <a:gd name="T6" fmla="*/ 207 w 207"/>
+              <a:gd name="T7" fmla="*/ 0 h 1114"/>
+              <a:gd name="T8" fmla="*/ 207 w 207"/>
+              <a:gd name="T9" fmla="*/ 987 h 1114"/>
+            </a:gdLst>
+            <a:ahLst/>
+            <a:cxnLst>
+              <a:cxn ang="0">
+                <a:pos x="T0" y="T1"/>
+              </a:cxn>
+              <a:cxn ang="0">
+                <a:pos x="T2" y="T3"/>
+              </a:cxn>
+              <a:cxn ang="0">
+                <a:pos x="T4" y="T5"/>
+              </a:cxn>
+              <a:cxn ang="0">
+                <a:pos x="T6" y="T7"/>
+              </a:cxn>
+              <a:cxn ang="0">
+                <a:pos x="T8" y="T9"/>
+              </a:cxn>
+            </a:cxnLst>
+            <a:rect l="0" t="0" r="r" b="b"/>
+            <a:pathLst>
+              <a:path w="207" h="1114">
+                <a:moveTo>
+                  <a:pt x="207" y="987"/>
+                </a:moveTo>
+                <a:lnTo>
+                  <a:pt x="0" y="1114"/>
+                </a:lnTo>
+                <a:lnTo>
+                  <a:pt x="0" y="127"/>
+                </a:lnTo>
+                <a:lnTo>
+                  <a:pt x="207" y="0"/>
+                </a:lnTo>
+                <a:lnTo>
+                  <a:pt x="207" y="987"/>
+                </a:lnTo>
+                <a:close/>
+              </a:path>
+            </a:pathLst>
+          </a:custGeom>
+          <a:solidFill>
+            <a:schemeClr val="accent1">
+              <a:lumMod val="50000"/>
+            </a:schemeClr>
+          </a:solidFill>
+          <a:ln>
+            <a:noFill/>
+          </a:ln>
+        </p:spPr>
+        <p:txBody>
+          <a:bodyPr vert="horz" wrap="square" lIns="91440" tIns="45720" rIns="91440" bIns="45720" numCol="1" anchor="t" anchorCtr="0" compatLnSpc="1">
+            <a:prstTxWarp prst="textNoShape">
+              <a:avLst/>
+            </a:prstTxWarp>
+          </a:bodyPr>
+          <a:lstStyle/>
+          <a:p>
+            <a:endParaRPr lang="en-US"/>
+          </a:p>
+        </p:txBody>
+      </p:sp>
+      <p:sp>
+        <p:nvSpPr>
+          <p:cNvPr id="18" name="Rectangle 17">
+            <a:extLst>
+              <a:ext uri="{FF2B5EF4-FFF2-40B4-BE49-F238E27FC236}">
+                <a16:creationId xmlns:a16="http://schemas.microsoft.com/office/drawing/2014/main" id="{14E91B64-9FCC-451E-AFB4-A827D6329367}"/>
+              </a:ext>
+              <a:ext uri="{C183D7F6-B498-43B3-948B-1728B52AA6E4}">
+                <adec:decorative xmlns:adec="http://schemas.microsoft.com/office/drawing/2017/decorative" val="1"/>
+              </a:ext>
+            </a:extLst>
+          </p:cNvPr>
+          <p:cNvSpPr>
+            <a:spLocks noGrp="1" noRot="1" noChangeAspect="1" noMove="1" noResize="1" noEditPoints="1" noAdjustHandles="1" noChangeArrowheads="1" noChangeShapeType="1" noTextEdit="1"/>
+          </p:cNvSpPr>
+          <p:nvPr>
+            <p:extLst>
+              <p:ext uri="{386F3935-93C4-4BCD-93E2-E3B085C9AB24}">
+                <p16:designElem xmlns:p16="http://schemas.microsoft.com/office/powerpoint/2015/main" val="1"/>
+              </p:ext>
+            </p:extLst>
+          </p:nvPr>
+        </p:nvSpPr>
+        <p:spPr bwMode="auto">
+          <a:xfrm>
+            <a:off x="644055" y="635715"/>
+            <a:ext cx="10907863" cy="1541457"/>
+          </a:xfrm>
+          <a:prstGeom prst="rect">
+            <a:avLst/>
+          </a:prstGeom>
+          <a:solidFill>
+            <a:schemeClr val="accent1"/>
+          </a:solidFill>
+          <a:ln>
+            <a:noFill/>
+          </a:ln>
+        </p:spPr>
+        <p:txBody>
+          <a:bodyPr vert="horz" wrap="square" lIns="91440" tIns="45720" rIns="91440" bIns="45720" numCol="1" anchor="t" anchorCtr="0" compatLnSpc="1">
+            <a:prstTxWarp prst="textNoShape">
+              <a:avLst/>
+            </a:prstTxWarp>
+          </a:bodyPr>
+          <a:lstStyle/>
+          <a:p>
+            <a:endParaRPr lang="en-US"/>
+          </a:p>
+        </p:txBody>
+      </p:sp>
+      <p:sp>
+        <p:nvSpPr>
+          <p:cNvPr id="2" name="Title 1">
+            <a:extLst>
+              <a:ext uri="{FF2B5EF4-FFF2-40B4-BE49-F238E27FC236}">
+                <a16:creationId xmlns:a16="http://schemas.microsoft.com/office/drawing/2014/main" id="{18CAC031-E310-DC35-5527-A55049E2F956}"/>
+              </a:ext>
+            </a:extLst>
+          </p:cNvPr>
+          <p:cNvSpPr>
+            <a:spLocks noGrp="1"/>
+          </p:cNvSpPr>
+          <p:nvPr>
+            <p:ph type="title"/>
+          </p:nvPr>
+        </p:nvSpPr>
+        <p:spPr>
+          <a:xfrm>
+            <a:off x="958506" y="800392"/>
+            <a:ext cx="10264697" cy="1212102"/>
+          </a:xfrm>
+        </p:spPr>
+        <p:txBody>
+          <a:bodyPr>
+            <a:normAutofit/>
+          </a:bodyPr>
+          <a:lstStyle/>
+          <a:p>
+            <a:r>
+              <a:rPr lang="el-GR" sz="4000">
+                <a:solidFill>
+                  <a:srgbClr val="FFFFFF"/>
+                </a:solidFill>
+              </a:rPr>
+              <a:t>ΖΕΥΓΟΣ ΠΡΟΤΥΠΩΝ </a:t>
+            </a:r>
+            <a:endParaRPr lang="en-US" sz="4000">
+              <a:solidFill>
+                <a:srgbClr val="FFFFFF"/>
+              </a:solidFill>
+            </a:endParaRPr>
+          </a:p>
+        </p:txBody>
+      </p:sp>
+      <p:sp>
+        <p:nvSpPr>
+          <p:cNvPr id="3" name="Content Placeholder 2">
+            <a:extLst>
+              <a:ext uri="{FF2B5EF4-FFF2-40B4-BE49-F238E27FC236}">
+                <a16:creationId xmlns:a16="http://schemas.microsoft.com/office/drawing/2014/main" id="{0FC9CFFB-779E-C7BC-F9A8-977B99B076FC}"/>
+              </a:ext>
+            </a:extLst>
+          </p:cNvPr>
+          <p:cNvSpPr>
+            <a:spLocks noGrp="1"/>
+          </p:cNvSpPr>
+          <p:nvPr>
+            <p:ph idx="1"/>
+          </p:nvPr>
+        </p:nvSpPr>
+        <p:spPr>
+          <a:xfrm>
+            <a:off x="1367624" y="2490436"/>
+            <a:ext cx="9708995" cy="3567173"/>
+          </a:xfrm>
+        </p:spPr>
+        <p:txBody>
+          <a:bodyPr anchor="ctr">
+            <a:normAutofit/>
+          </a:bodyPr>
+          <a:lstStyle/>
+          <a:p>
+            <a:pPr marL="0" indent="0">
+              <a:buNone/>
+            </a:pPr>
+            <a:r>
+              <a:rPr lang="el-GR" sz="2400"/>
+              <a:t>Το ζεύγος προτύπων που επελέγη είναι:</a:t>
+            </a:r>
+          </a:p>
+          <a:p>
+            <a:r>
+              <a:rPr lang="en-US" sz="2400"/>
+              <a:t>Federated Identity Pattern</a:t>
+            </a:r>
+          </a:p>
+          <a:p>
+            <a:r>
+              <a:rPr lang="en-US" sz="2400"/>
+              <a:t>Retry Pattern</a:t>
+            </a:r>
+          </a:p>
+          <a:p>
+            <a:endParaRPr lang="en-US" sz="2400"/>
+          </a:p>
+          <a:p>
+            <a:pPr marL="0" indent="0">
+              <a:buNone/>
+            </a:pPr>
+            <a:r>
+              <a:rPr lang="el-GR" sz="2400"/>
               <a:t>Ακολουθούν ενδεικτικά παραδείγματα χρήσης σε κώδικα για τα δύο πρότυπα.</a:t>
             </a:r>
-            <a:endParaRPr lang="en-US" dirty="0"/>
+            <a:endParaRPr lang="en-US" sz="2400"/>
           </a:p>
         </p:txBody>
       </p:sp>
@@ -3518,6 +5982,14 @@
 <file path=ppt/slides/slide3.xml><?xml version="1.0" encoding="utf-8"?>
 <p:sld xmlns:a="http://schemas.openxmlformats.org/drawingml/2006/main" xmlns:r="http://schemas.openxmlformats.org/officeDocument/2006/relationships" xmlns:p="http://schemas.openxmlformats.org/presentationml/2006/main">
   <p:cSld>
+    <p:bg>
+      <p:bgPr>
+        <a:solidFill>
+          <a:schemeClr val="bg1"/>
+        </a:solidFill>
+        <a:effectLst/>
+      </p:bgPr>
+    </p:bg>
     <p:spTree>
       <p:nvGrpSpPr>
         <p:cNvPr id="1" name=""/>
@@ -3534,6 +6006,69 @@
       </p:grpSpPr>
       <p:sp>
         <p:nvSpPr>
+          <p:cNvPr id="16" name="Rectangle 15">
+            <a:extLst>
+              <a:ext uri="{FF2B5EF4-FFF2-40B4-BE49-F238E27FC236}">
+                <a16:creationId xmlns:a16="http://schemas.microsoft.com/office/drawing/2014/main" id="{DE7FFD28-545C-4C88-A2E7-152FB234C92C}"/>
+              </a:ext>
+              <a:ext uri="{C183D7F6-B498-43B3-948B-1728B52AA6E4}">
+                <adec:decorative xmlns:adec="http://schemas.microsoft.com/office/drawing/2017/decorative" val="1"/>
+              </a:ext>
+            </a:extLst>
+          </p:cNvPr>
+          <p:cNvSpPr>
+            <a:spLocks noGrp="1" noRot="1" noChangeAspect="1" noMove="1" noResize="1" noEditPoints="1" noAdjustHandles="1" noChangeArrowheads="1" noChangeShapeType="1" noTextEdit="1"/>
+          </p:cNvSpPr>
+          <p:nvPr>
+            <p:extLst>
+              <p:ext uri="{386F3935-93C4-4BCD-93E2-E3B085C9AB24}">
+                <p16:designElem xmlns:p16="http://schemas.microsoft.com/office/powerpoint/2015/main" val="1"/>
+              </p:ext>
+            </p:extLst>
+          </p:nvPr>
+        </p:nvSpPr>
+        <p:spPr>
+          <a:xfrm>
+            <a:off x="0" y="0"/>
+            <a:ext cx="12192000" cy="1911350"/>
+          </a:xfrm>
+          <a:prstGeom prst="rect">
+            <a:avLst/>
+          </a:prstGeom>
+          <a:solidFill>
+            <a:schemeClr val="accent5"/>
+          </a:solidFill>
+          <a:ln>
+            <a:noFill/>
+          </a:ln>
+        </p:spPr>
+        <p:style>
+          <a:lnRef idx="2">
+            <a:schemeClr val="accent1">
+              <a:shade val="50000"/>
+            </a:schemeClr>
+          </a:lnRef>
+          <a:fillRef idx="1">
+            <a:schemeClr val="accent1"/>
+          </a:fillRef>
+          <a:effectRef idx="0">
+            <a:schemeClr val="accent1"/>
+          </a:effectRef>
+          <a:fontRef idx="minor">
+            <a:schemeClr val="lt1"/>
+          </a:fontRef>
+        </p:style>
+        <p:txBody>
+          <a:bodyPr rtlCol="0" anchor="ctr"/>
+          <a:lstStyle/>
+          <a:p>
+            <a:pPr algn="ctr"/>
+            <a:endParaRPr lang="en-US"/>
+          </a:p>
+        </p:txBody>
+      </p:sp>
+      <p:sp>
+        <p:nvSpPr>
           <p:cNvPr id="2" name="Title 1">
             <a:extLst>
               <a:ext uri="{FF2B5EF4-FFF2-40B4-BE49-F238E27FC236}">
@@ -3548,47 +6083,10 @@
             <p:ph type="title"/>
           </p:nvPr>
         </p:nvSpPr>
-        <p:spPr/>
-        <p:txBody>
-          <a:bodyPr/>
-          <a:lstStyle/>
-          <a:p>
-            <a:r>
-              <a:rPr lang="el-GR" dirty="0"/>
-              <a:t>ΤΙ ΕΙΝΑΙ ΤΟ </a:t>
-            </a:r>
-            <a:r>
-              <a:rPr lang="en-US" dirty="0"/>
-              <a:t>FEDERATED IDENTITY PATTERN</a:t>
-            </a:r>
-            <a:r>
-              <a:rPr lang="el-GR" dirty="0"/>
-              <a:t>;</a:t>
-            </a:r>
-            <a:endParaRPr lang="en-US" dirty="0"/>
-          </a:p>
-        </p:txBody>
-      </p:sp>
-      <p:sp>
-        <p:nvSpPr>
-          <p:cNvPr id="11" name="Content Placeholder 10">
-            <a:extLst>
-              <a:ext uri="{FF2B5EF4-FFF2-40B4-BE49-F238E27FC236}">
-                <a16:creationId xmlns:a16="http://schemas.microsoft.com/office/drawing/2014/main" id="{59F01C39-4C8F-689A-EFF0-6EE95434E016}"/>
-              </a:ext>
-            </a:extLst>
-          </p:cNvPr>
-          <p:cNvSpPr>
-            <a:spLocks noGrp="1"/>
-          </p:cNvSpPr>
-          <p:nvPr>
-            <p:ph idx="1"/>
-          </p:nvPr>
-        </p:nvSpPr>
         <p:spPr>
           <a:xfrm>
-            <a:off x="838200" y="1825625"/>
-            <a:ext cx="10515600" cy="4547743"/>
+            <a:off x="838200" y="365125"/>
+            <a:ext cx="10515600" cy="1325563"/>
           </a:xfrm>
         </p:spPr>
         <p:txBody>
@@ -3597,27 +6095,87 @@
           </a:bodyPr>
           <a:lstStyle/>
           <a:p>
+            <a:r>
+              <a:rPr lang="el-GR" sz="4600">
+                <a:solidFill>
+                  <a:srgbClr val="FFFFFF"/>
+                </a:solidFill>
+              </a:rPr>
+              <a:t>ΤΙ ΕΙΝΑΙ ΤΟ </a:t>
+            </a:r>
+            <a:r>
+              <a:rPr lang="en-US" sz="4600">
+                <a:solidFill>
+                  <a:srgbClr val="FFFFFF"/>
+                </a:solidFill>
+              </a:rPr>
+              <a:t>FEDERATED IDENTITY PATTERN</a:t>
+            </a:r>
+            <a:r>
+              <a:rPr lang="el-GR" sz="4600">
+                <a:solidFill>
+                  <a:srgbClr val="FFFFFF"/>
+                </a:solidFill>
+              </a:rPr>
+              <a:t>;</a:t>
+            </a:r>
+            <a:endParaRPr lang="en-US" sz="4600">
+              <a:solidFill>
+                <a:srgbClr val="FFFFFF"/>
+              </a:solidFill>
+            </a:endParaRPr>
+          </a:p>
+        </p:txBody>
+      </p:sp>
+      <p:sp>
+        <p:nvSpPr>
+          <p:cNvPr id="11" name="Content Placeholder 10">
+            <a:extLst>
+              <a:ext uri="{FF2B5EF4-FFF2-40B4-BE49-F238E27FC236}">
+                <a16:creationId xmlns:a16="http://schemas.microsoft.com/office/drawing/2014/main" id="{59F01C39-4C8F-689A-EFF0-6EE95434E016}"/>
+              </a:ext>
+            </a:extLst>
+          </p:cNvPr>
+          <p:cNvSpPr>
+            <a:spLocks noGrp="1"/>
+          </p:cNvSpPr>
+          <p:nvPr>
+            <p:ph idx="1"/>
+          </p:nvPr>
+        </p:nvSpPr>
+        <p:spPr>
+          <a:xfrm>
+            <a:off x="838200" y="2438400"/>
+            <a:ext cx="10515600" cy="3738562"/>
+          </a:xfrm>
+        </p:spPr>
+        <p:txBody>
+          <a:bodyPr>
+            <a:normAutofit/>
+          </a:bodyPr>
+          <a:lstStyle/>
+          <a:p>
             <a:pPr marL="0" indent="0">
               <a:buNone/>
             </a:pPr>
             <a:r>
-              <a:rPr lang="en-US" dirty="0"/>
+              <a:rPr lang="en-US" sz="2600"/>
               <a:t>To Federated Identity Pattern </a:t>
             </a:r>
             <a:r>
-              <a:rPr lang="el-GR" dirty="0"/>
+              <a:rPr lang="el-GR" sz="2600"/>
               <a:t>είναι ένα πρότυπο ανάπτυξης, που, όπως λέει και το όνομά του, χρησιμοποιείται κυρίως, από</a:t>
             </a:r>
             <a:r>
-              <a:rPr lang="en-US" dirty="0"/>
+              <a:rPr lang="en-US" sz="2600"/>
               <a:t> </a:t>
             </a:r>
             <a:r>
-              <a:rPr lang="el-GR" dirty="0"/>
+              <a:rPr lang="el-GR" sz="2600"/>
               <a:t>οργανισμούς. </a:t>
             </a:r>
             <a:r>
-              <a:rPr lang="el-GR" b="1" dirty="0"/>
+              <a:rPr lang="el-GR" sz="2600" b="1"/>
               <a:t>Το πρότυπο αυτό, σιγουρεύεται ότι οι χρήστες ενός οργανισμού ή μιας εταιρείας, θα μπορούν να εξασφαλίσουν την «ομοσπονδιακή ταυτότητά» τους. </a:t>
             </a:r>
           </a:p>
@@ -3639,6 +6197,14 @@
 <file path=ppt/slides/slide4.xml><?xml version="1.0" encoding="utf-8"?>
 <p:sld xmlns:a="http://schemas.openxmlformats.org/drawingml/2006/main" xmlns:r="http://schemas.openxmlformats.org/officeDocument/2006/relationships" xmlns:p="http://schemas.openxmlformats.org/presentationml/2006/main">
   <p:cSld>
+    <p:bg>
+      <p:bgPr>
+        <a:solidFill>
+          <a:schemeClr val="bg1"/>
+        </a:solidFill>
+        <a:effectLst/>
+      </p:bgPr>
+    </p:bg>
     <p:spTree>
       <p:nvGrpSpPr>
         <p:cNvPr id="1" name=""/>
@@ -3655,6 +6221,69 @@
       </p:grpSpPr>
       <p:sp>
         <p:nvSpPr>
+          <p:cNvPr id="9" name="Rectangle 8">
+            <a:extLst>
+              <a:ext uri="{FF2B5EF4-FFF2-40B4-BE49-F238E27FC236}">
+                <a16:creationId xmlns:a16="http://schemas.microsoft.com/office/drawing/2014/main" id="{DE7FFD28-545C-4C88-A2E7-152FB234C92C}"/>
+              </a:ext>
+              <a:ext uri="{C183D7F6-B498-43B3-948B-1728B52AA6E4}">
+                <adec:decorative xmlns:adec="http://schemas.microsoft.com/office/drawing/2017/decorative" val="1"/>
+              </a:ext>
+            </a:extLst>
+          </p:cNvPr>
+          <p:cNvSpPr>
+            <a:spLocks noGrp="1" noRot="1" noChangeAspect="1" noMove="1" noResize="1" noEditPoints="1" noAdjustHandles="1" noChangeArrowheads="1" noChangeShapeType="1" noTextEdit="1"/>
+          </p:cNvSpPr>
+          <p:nvPr>
+            <p:extLst>
+              <p:ext uri="{386F3935-93C4-4BCD-93E2-E3B085C9AB24}">
+                <p16:designElem xmlns:p16="http://schemas.microsoft.com/office/powerpoint/2015/main" val="1"/>
+              </p:ext>
+            </p:extLst>
+          </p:nvPr>
+        </p:nvSpPr>
+        <p:spPr>
+          <a:xfrm>
+            <a:off x="0" y="0"/>
+            <a:ext cx="12192000" cy="1911350"/>
+          </a:xfrm>
+          <a:prstGeom prst="rect">
+            <a:avLst/>
+          </a:prstGeom>
+          <a:solidFill>
+            <a:schemeClr val="accent5"/>
+          </a:solidFill>
+          <a:ln>
+            <a:noFill/>
+          </a:ln>
+        </p:spPr>
+        <p:style>
+          <a:lnRef idx="2">
+            <a:schemeClr val="accent1">
+              <a:shade val="50000"/>
+            </a:schemeClr>
+          </a:lnRef>
+          <a:fillRef idx="1">
+            <a:schemeClr val="accent1"/>
+          </a:fillRef>
+          <a:effectRef idx="0">
+            <a:schemeClr val="accent1"/>
+          </a:effectRef>
+          <a:fontRef idx="minor">
+            <a:schemeClr val="lt1"/>
+          </a:fontRef>
+        </p:style>
+        <p:txBody>
+          <a:bodyPr rtlCol="0" anchor="ctr"/>
+          <a:lstStyle/>
+          <a:p>
+            <a:pPr algn="ctr"/>
+            <a:endParaRPr lang="en-US"/>
+          </a:p>
+        </p:txBody>
+      </p:sp>
+      <p:sp>
+        <p:nvSpPr>
           <p:cNvPr id="2" name="Title 1">
             <a:extLst>
               <a:ext uri="{FF2B5EF4-FFF2-40B4-BE49-F238E27FC236}">
@@ -3669,17 +6298,32 @@
             <p:ph type="title"/>
           </p:nvPr>
         </p:nvSpPr>
-        <p:spPr/>
-        <p:txBody>
-          <a:bodyPr/>
-          <a:lstStyle/>
-          <a:p>
-            <a:r>
-              <a:rPr lang="el-GR" dirty="0"/>
+        <p:spPr>
+          <a:xfrm>
+            <a:off x="838200" y="365125"/>
+            <a:ext cx="10515600" cy="1325563"/>
+          </a:xfrm>
+        </p:spPr>
+        <p:txBody>
+          <a:bodyPr>
+            <a:normAutofit/>
+          </a:bodyPr>
+          <a:lstStyle/>
+          <a:p>
+            <a:r>
+              <a:rPr lang="el-GR" sz="4300">
+                <a:solidFill>
+                  <a:srgbClr val="FFFFFF"/>
+                </a:solidFill>
+              </a:rPr>
               <a:t>ΠΡΟΒΛΗΜΑΤΑ ΜΗ ΧΡΗΣΗΣ ΤΟΥ </a:t>
             </a:r>
             <a:r>
-              <a:rPr lang="en-US" dirty="0"/>
+              <a:rPr lang="en-US" sz="4300">
+                <a:solidFill>
+                  <a:srgbClr val="FFFFFF"/>
+                </a:solidFill>
+              </a:rPr>
               <a:t>FEDERATED IDENTITY PATTERN</a:t>
             </a:r>
           </a:p>
@@ -3701,48 +6345,55 @@
             <p:ph idx="1"/>
           </p:nvPr>
         </p:nvSpPr>
-        <p:spPr/>
-        <p:txBody>
-          <a:bodyPr/>
+        <p:spPr>
+          <a:xfrm>
+            <a:off x="838200" y="2438400"/>
+            <a:ext cx="10515600" cy="3738562"/>
+          </a:xfrm>
+        </p:spPr>
+        <p:txBody>
+          <a:bodyPr>
+            <a:normAutofit/>
+          </a:bodyPr>
           <a:lstStyle/>
           <a:p>
             <a:pPr marL="0" indent="0">
               <a:buNone/>
             </a:pPr>
             <a:r>
-              <a:rPr lang="el-GR" b="1" dirty="0"/>
+              <a:rPr lang="el-GR" sz="2600" b="1"/>
               <a:t>Πριν χρησιμοποιήσουμε αυτό το πρότυπο, θα παρατηρηθεί ότι μια εταιρεία (που χρησιμοποιεί πολλές διαφορετικές εφαρμογές) έχει τα εξής προβλήματα:</a:t>
             </a:r>
           </a:p>
           <a:p>
             <a:r>
-              <a:rPr lang="el-GR" dirty="0"/>
+              <a:rPr lang="el-GR" sz="2600"/>
               <a:t>Οι χρήστες της εφαρμογής θα πρέπει να απομνημονεύουν πολλούς κωδικούς.</a:t>
             </a:r>
           </a:p>
           <a:p>
             <a:r>
-              <a:rPr lang="el-GR" dirty="0"/>
+              <a:rPr lang="el-GR" sz="2600"/>
               <a:t>Όταν φεύγει ένας υπάλληλος, θα πρέπει να σβηστούν όλοι οι λογαριασμοί του.</a:t>
             </a:r>
           </a:p>
           <a:p>
             <a:r>
-              <a:rPr lang="el-GR" dirty="0"/>
+              <a:rPr lang="el-GR" sz="2600"/>
               <a:t>Ο δουλειά του διαχειριστή των λογαριασμών θα είναι πολύπλοκη.</a:t>
             </a:r>
           </a:p>
           <a:p>
-            <a:endParaRPr lang="el-GR" dirty="0"/>
-          </a:p>
-          <a:p>
-            <a:endParaRPr lang="el-GR" dirty="0"/>
-          </a:p>
-          <a:p>
-            <a:endParaRPr lang="el-GR" dirty="0"/>
-          </a:p>
-          <a:p>
-            <a:endParaRPr lang="en-US" dirty="0"/>
+            <a:endParaRPr lang="el-GR" sz="2600"/>
+          </a:p>
+          <a:p>
+            <a:endParaRPr lang="el-GR" sz="2600"/>
+          </a:p>
+          <a:p>
+            <a:endParaRPr lang="el-GR" sz="2600"/>
+          </a:p>
+          <a:p>
+            <a:endParaRPr lang="en-US" sz="2600"/>
           </a:p>
         </p:txBody>
       </p:sp>
@@ -3762,6 +6413,14 @@
 <file path=ppt/slides/slide5.xml><?xml version="1.0" encoding="utf-8"?>
 <p:sld xmlns:a="http://schemas.openxmlformats.org/drawingml/2006/main" xmlns:r="http://schemas.openxmlformats.org/officeDocument/2006/relationships" xmlns:p="http://schemas.openxmlformats.org/presentationml/2006/main">
   <p:cSld>
+    <p:bg>
+      <p:bgPr>
+        <a:solidFill>
+          <a:schemeClr val="bg1"/>
+        </a:solidFill>
+        <a:effectLst/>
+      </p:bgPr>
+    </p:bg>
     <p:spTree>
       <p:nvGrpSpPr>
         <p:cNvPr id="1" name=""/>
@@ -3778,6 +6437,69 @@
       </p:grpSpPr>
       <p:sp>
         <p:nvSpPr>
+          <p:cNvPr id="8" name="Rectangle 7">
+            <a:extLst>
+              <a:ext uri="{FF2B5EF4-FFF2-40B4-BE49-F238E27FC236}">
+                <a16:creationId xmlns:a16="http://schemas.microsoft.com/office/drawing/2014/main" id="{DE7FFD28-545C-4C88-A2E7-152FB234C92C}"/>
+              </a:ext>
+              <a:ext uri="{C183D7F6-B498-43B3-948B-1728B52AA6E4}">
+                <adec:decorative xmlns:adec="http://schemas.microsoft.com/office/drawing/2017/decorative" val="1"/>
+              </a:ext>
+            </a:extLst>
+          </p:cNvPr>
+          <p:cNvSpPr>
+            <a:spLocks noGrp="1" noRot="1" noChangeAspect="1" noMove="1" noResize="1" noEditPoints="1" noAdjustHandles="1" noChangeArrowheads="1" noChangeShapeType="1" noTextEdit="1"/>
+          </p:cNvSpPr>
+          <p:nvPr>
+            <p:extLst>
+              <p:ext uri="{386F3935-93C4-4BCD-93E2-E3B085C9AB24}">
+                <p16:designElem xmlns:p16="http://schemas.microsoft.com/office/powerpoint/2015/main" val="1"/>
+              </p:ext>
+            </p:extLst>
+          </p:nvPr>
+        </p:nvSpPr>
+        <p:spPr>
+          <a:xfrm>
+            <a:off x="0" y="0"/>
+            <a:ext cx="12192000" cy="1911350"/>
+          </a:xfrm>
+          <a:prstGeom prst="rect">
+            <a:avLst/>
+          </a:prstGeom>
+          <a:solidFill>
+            <a:schemeClr val="accent5"/>
+          </a:solidFill>
+          <a:ln>
+            <a:noFill/>
+          </a:ln>
+        </p:spPr>
+        <p:style>
+          <a:lnRef idx="2">
+            <a:schemeClr val="accent1">
+              <a:shade val="50000"/>
+            </a:schemeClr>
+          </a:lnRef>
+          <a:fillRef idx="1">
+            <a:schemeClr val="accent1"/>
+          </a:fillRef>
+          <a:effectRef idx="0">
+            <a:schemeClr val="accent1"/>
+          </a:effectRef>
+          <a:fontRef idx="minor">
+            <a:schemeClr val="lt1"/>
+          </a:fontRef>
+        </p:style>
+        <p:txBody>
+          <a:bodyPr rtlCol="0" anchor="ctr"/>
+          <a:lstStyle/>
+          <a:p>
+            <a:pPr algn="ctr"/>
+            <a:endParaRPr lang="en-US"/>
+          </a:p>
+        </p:txBody>
+      </p:sp>
+      <p:sp>
+        <p:nvSpPr>
           <p:cNvPr id="2" name="Title 1">
             <a:extLst>
               <a:ext uri="{FF2B5EF4-FFF2-40B4-BE49-F238E27FC236}">
@@ -3792,17 +6514,32 @@
             <p:ph type="title"/>
           </p:nvPr>
         </p:nvSpPr>
-        <p:spPr/>
-        <p:txBody>
-          <a:bodyPr/>
-          <a:lstStyle/>
-          <a:p>
-            <a:r>
-              <a:rPr lang="el-GR" dirty="0"/>
+        <p:spPr>
+          <a:xfrm>
+            <a:off x="838200" y="365125"/>
+            <a:ext cx="10515600" cy="1325563"/>
+          </a:xfrm>
+        </p:spPr>
+        <p:txBody>
+          <a:bodyPr>
+            <a:normAutofit/>
+          </a:bodyPr>
+          <a:lstStyle/>
+          <a:p>
+            <a:r>
+              <a:rPr lang="el-GR" sz="4300">
+                <a:solidFill>
+                  <a:srgbClr val="FFFFFF"/>
+                </a:solidFill>
+              </a:rPr>
               <a:t>ΠΩΣ ΧΡΗΣΙΜΟΠΟΙΕΙΤΑΙ ΤΟ </a:t>
             </a:r>
             <a:r>
-              <a:rPr lang="en-US" dirty="0"/>
+              <a:rPr lang="en-US" sz="4300">
+                <a:solidFill>
+                  <a:srgbClr val="FFFFFF"/>
+                </a:solidFill>
+              </a:rPr>
               <a:t>FEDERATED IDENTITY PATTERN;</a:t>
             </a:r>
           </a:p>
@@ -3824,13 +6561,20 @@
             <p:ph idx="1"/>
           </p:nvPr>
         </p:nvSpPr>
-        <p:spPr/>
-        <p:txBody>
-          <a:bodyPr/>
-          <a:lstStyle/>
-          <a:p>
-            <a:r>
-              <a:rPr lang="el-GR" dirty="0"/>
+        <p:spPr>
+          <a:xfrm>
+            <a:off x="838200" y="2438400"/>
+            <a:ext cx="10515600" cy="3738562"/>
+          </a:xfrm>
+        </p:spPr>
+        <p:txBody>
+          <a:bodyPr>
+            <a:normAutofit/>
+          </a:bodyPr>
+          <a:lstStyle/>
+          <a:p>
+            <a:r>
+              <a:rPr lang="el-GR" sz="2600"/>
               <a:t>Φτιάχνοντας ένα κεντρικό σύστημα σύνδεσης και αποσύνδεσης χρηστών.</a:t>
             </a:r>
           </a:p>
@@ -3839,7 +6583,7 @@
               <a:buNone/>
             </a:pPr>
             <a:r>
-              <a:rPr lang="el-GR" dirty="0"/>
+              <a:rPr lang="el-GR" sz="2600"/>
               <a:t>Το σύστημα αυτό θα συνδέεται με όλες τις εφαρμογές, που χρησιμοποεί η εταιρεία. Επίσης, θα κρυπτογραφεί τους κωδικούς που χρησιμοποιούνται από κάθε χρήστη και θα τους εξασφαλίζει την «ομοσπονδιακή ταυτότητα».</a:t>
             </a:r>
           </a:p>
@@ -3861,6 +6605,14 @@
 <file path=ppt/slides/slide6.xml><?xml version="1.0" encoding="utf-8"?>
 <p:sld xmlns:a="http://schemas.openxmlformats.org/drawingml/2006/main" xmlns:r="http://schemas.openxmlformats.org/officeDocument/2006/relationships" xmlns:p="http://schemas.openxmlformats.org/presentationml/2006/main">
   <p:cSld>
+    <p:bg>
+      <p:bgPr>
+        <a:solidFill>
+          <a:schemeClr val="bg1"/>
+        </a:solidFill>
+        <a:effectLst/>
+      </p:bgPr>
+    </p:bg>
     <p:spTree>
       <p:nvGrpSpPr>
         <p:cNvPr id="1" name=""/>
@@ -3877,6 +6629,151 @@
       </p:grpSpPr>
       <p:sp>
         <p:nvSpPr>
+          <p:cNvPr id="16" name="Rectangle 15">
+            <a:extLst>
+              <a:ext uri="{FF2B5EF4-FFF2-40B4-BE49-F238E27FC236}">
+                <a16:creationId xmlns:a16="http://schemas.microsoft.com/office/drawing/2014/main" id="{4B6ECB93-D7FF-4F09-A8ED-D4588EE7C7DA}"/>
+              </a:ext>
+              <a:ext uri="{C183D7F6-B498-43B3-948B-1728B52AA6E4}">
+                <adec:decorative xmlns:adec="http://schemas.microsoft.com/office/drawing/2017/decorative" val="1"/>
+              </a:ext>
+            </a:extLst>
+          </p:cNvPr>
+          <p:cNvSpPr>
+            <a:spLocks noGrp="1" noRot="1" noChangeAspect="1" noMove="1" noResize="1" noEditPoints="1" noAdjustHandles="1" noChangeArrowheads="1" noChangeShapeType="1" noTextEdit="1"/>
+          </p:cNvSpPr>
+          <p:nvPr>
+            <p:extLst>
+              <p:ext uri="{386F3935-93C4-4BCD-93E2-E3B085C9AB24}">
+                <p16:designElem xmlns:p16="http://schemas.microsoft.com/office/powerpoint/2015/main" val="1"/>
+              </p:ext>
+            </p:extLst>
+          </p:nvPr>
+        </p:nvSpPr>
+        <p:spPr>
+          <a:xfrm>
+            <a:off x="0" y="0"/>
+            <a:ext cx="12192000" cy="6858000"/>
+          </a:xfrm>
+          <a:prstGeom prst="rect">
+            <a:avLst/>
+          </a:prstGeom>
+          <a:solidFill>
+            <a:schemeClr val="bg1"/>
+          </a:solidFill>
+          <a:ln w="12700" cap="flat" cmpd="sng" algn="ctr">
+            <a:noFill/>
+            <a:prstDash val="solid"/>
+            <a:miter lim="800000"/>
+          </a:ln>
+          <a:effectLst/>
+          <a:extLst>
+            <a:ext uri="{91240B29-F687-4F45-9708-019B960494DF}">
+              <a14:hiddenLine xmlns:a14="http://schemas.microsoft.com/office/drawing/2010/main" w="12700" cap="flat" cmpd="sng" algn="ctr">
+                <a:solidFill>
+                  <a:schemeClr val="accent1">
+                    <a:shade val="50000"/>
+                  </a:schemeClr>
+                </a:solidFill>
+                <a:prstDash val="solid"/>
+                <a:miter lim="800000"/>
+              </a14:hiddenLine>
+            </a:ext>
+          </a:extLst>
+        </p:spPr>
+        <p:style>
+          <a:lnRef idx="2">
+            <a:schemeClr val="accent1">
+              <a:shade val="50000"/>
+            </a:schemeClr>
+          </a:lnRef>
+          <a:fillRef idx="1">
+            <a:schemeClr val="accent1"/>
+          </a:fillRef>
+          <a:effectRef idx="0">
+            <a:schemeClr val="accent1"/>
+          </a:effectRef>
+          <a:fontRef idx="minor">
+            <a:schemeClr val="lt1"/>
+          </a:fontRef>
+        </p:style>
+        <p:txBody>
+          <a:bodyPr rtlCol="0" anchor="ctr"/>
+          <a:lstStyle/>
+          <a:p>
+            <a:pPr algn="ctr"/>
+            <a:endParaRPr lang="en-US"/>
+          </a:p>
+        </p:txBody>
+      </p:sp>
+      <p:sp>
+        <p:nvSpPr>
+          <p:cNvPr id="18" name="Rectangle 17">
+            <a:extLst>
+              <a:ext uri="{FF2B5EF4-FFF2-40B4-BE49-F238E27FC236}">
+                <a16:creationId xmlns:a16="http://schemas.microsoft.com/office/drawing/2014/main" id="{EBF87945-A001-489F-9D9B-7D9435F0B9CA}"/>
+              </a:ext>
+              <a:ext uri="{C183D7F6-B498-43B3-948B-1728B52AA6E4}">
+                <adec:decorative xmlns:adec="http://schemas.microsoft.com/office/drawing/2017/decorative" val="1"/>
+              </a:ext>
+            </a:extLst>
+          </p:cNvPr>
+          <p:cNvSpPr>
+            <a:spLocks noGrp="1" noRot="1" noChangeAspect="1" noMove="1" noResize="1" noEditPoints="1" noAdjustHandles="1" noChangeArrowheads="1" noChangeShapeType="1" noTextEdit="1"/>
+          </p:cNvSpPr>
+          <p:nvPr>
+            <p:extLst>
+              <p:ext uri="{386F3935-93C4-4BCD-93E2-E3B085C9AB24}">
+                <p16:designElem xmlns:p16="http://schemas.microsoft.com/office/powerpoint/2015/main" val="1"/>
+              </p:ext>
+            </p:extLst>
+          </p:nvPr>
+        </p:nvSpPr>
+        <p:spPr>
+          <a:xfrm>
+            <a:off x="0" y="1"/>
+            <a:ext cx="12192000" cy="1911096"/>
+          </a:xfrm>
+          <a:prstGeom prst="rect">
+            <a:avLst/>
+          </a:prstGeom>
+          <a:solidFill>
+            <a:schemeClr val="tx1">
+              <a:lumMod val="75000"/>
+              <a:lumOff val="25000"/>
+            </a:schemeClr>
+          </a:solidFill>
+          <a:ln>
+            <a:noFill/>
+          </a:ln>
+        </p:spPr>
+        <p:style>
+          <a:lnRef idx="2">
+            <a:schemeClr val="accent1">
+              <a:shade val="50000"/>
+            </a:schemeClr>
+          </a:lnRef>
+          <a:fillRef idx="1">
+            <a:schemeClr val="accent1"/>
+          </a:fillRef>
+          <a:effectRef idx="0">
+            <a:schemeClr val="accent1"/>
+          </a:effectRef>
+          <a:fontRef idx="minor">
+            <a:schemeClr val="lt1"/>
+          </a:fontRef>
+        </p:style>
+        <p:txBody>
+          <a:bodyPr rtlCol="0" anchor="ctr"/>
+          <a:lstStyle/>
+          <a:p>
+            <a:pPr algn="ctr"/>
+            <a:endParaRPr lang="en-US"/>
+          </a:p>
+        </p:txBody>
+      </p:sp>
+      <p:sp>
+        <p:nvSpPr>
           <p:cNvPr id="2" name="Title 1">
             <a:extLst>
               <a:ext uri="{FF2B5EF4-FFF2-40B4-BE49-F238E27FC236}">
@@ -3891,56 +6788,859 @@
             <p:ph type="title"/>
           </p:nvPr>
         </p:nvSpPr>
-        <p:spPr/>
-        <p:txBody>
-          <a:bodyPr/>
-          <a:lstStyle/>
-          <a:p>
-            <a:r>
-              <a:rPr lang="el-GR" dirty="0"/>
-              <a:t>ΤΟ </a:t>
-            </a:r>
-            <a:r>
-              <a:rPr lang="en-US" dirty="0"/>
-              <a:t>FEDERATED IDENTITY PATTERN </a:t>
-            </a:r>
-            <a:r>
-              <a:rPr lang="el-GR"/>
-              <a:t>ΣΕ ΚΩΔΙΚΑ</a:t>
-            </a:r>
-            <a:endParaRPr lang="en-US"/>
-          </a:p>
-        </p:txBody>
-      </p:sp>
-      <p:sp>
-        <p:nvSpPr>
-          <p:cNvPr id="3" name="Content Placeholder 2">
-            <a:extLst>
-              <a:ext uri="{FF2B5EF4-FFF2-40B4-BE49-F238E27FC236}">
-                <a16:creationId xmlns:a16="http://schemas.microsoft.com/office/drawing/2014/main" id="{E5A9AF98-455B-FE96-7C86-AA21F10D43C0}"/>
-              </a:ext>
-            </a:extLst>
-          </p:cNvPr>
-          <p:cNvSpPr>
-            <a:spLocks noGrp="1"/>
-          </p:cNvSpPr>
-          <p:nvPr>
-            <p:ph idx="1"/>
-          </p:nvPr>
-        </p:nvSpPr>
-        <p:spPr/>
-        <p:txBody>
-          <a:bodyPr/>
-          <a:lstStyle/>
-          <a:p>
-            <a:endParaRPr lang="en-US"/>
-          </a:p>
-        </p:txBody>
-      </p:sp>
+        <p:spPr>
+          <a:xfrm>
+            <a:off x="838200" y="365760"/>
+            <a:ext cx="10515600" cy="1325563"/>
+          </a:xfrm>
+        </p:spPr>
+        <p:txBody>
+          <a:bodyPr vert="horz" lIns="91440" tIns="45720" rIns="91440" bIns="45720" rtlCol="0" anchor="ctr">
+            <a:normAutofit/>
+          </a:bodyPr>
+          <a:lstStyle/>
+          <a:p>
+            <a:r>
+              <a:rPr lang="en-US">
+                <a:solidFill>
+                  <a:schemeClr val="bg1"/>
+                </a:solidFill>
+              </a:rPr>
+              <a:t>ΤΟ FEDERATED IDENTITY PATTERN ΣΕ ΚΩΔΙΚΑ</a:t>
+            </a:r>
+          </a:p>
+        </p:txBody>
+      </p:sp>
+      <p:sp>
+        <p:nvSpPr>
+          <p:cNvPr id="11" name="Content Placeholder 10">
+            <a:extLst>
+              <a:ext uri="{FF2B5EF4-FFF2-40B4-BE49-F238E27FC236}">
+                <a16:creationId xmlns:a16="http://schemas.microsoft.com/office/drawing/2014/main" id="{C12BC408-8ADE-AAAA-5F92-8DF912F7C852}"/>
+              </a:ext>
+            </a:extLst>
+          </p:cNvPr>
+          <p:cNvSpPr>
+            <a:spLocks noGrp="1"/>
+          </p:cNvSpPr>
+          <p:nvPr>
+            <p:ph sz="half" idx="2"/>
+          </p:nvPr>
+        </p:nvSpPr>
+        <p:spPr>
+          <a:xfrm>
+            <a:off x="841248" y="2276857"/>
+            <a:ext cx="5015484" cy="3900106"/>
+          </a:xfrm>
+        </p:spPr>
+        <p:txBody>
+          <a:bodyPr vert="horz" lIns="91440" tIns="45720" rIns="91440" bIns="45720" rtlCol="0" anchor="ctr">
+            <a:normAutofit/>
+          </a:bodyPr>
+          <a:lstStyle/>
+          <a:p>
+            <a:pPr marL="0"/>
+            <a:r>
+              <a:rPr lang="en-US" sz="2200" dirty="0"/>
+              <a:t>Υπ</a:t>
+            </a:r>
+            <a:r>
+              <a:rPr lang="en-US" sz="2200" dirty="0" err="1"/>
+              <a:t>οθέτοντ</a:t>
+            </a:r>
+            <a:r>
+              <a:rPr lang="en-US" sz="2200" dirty="0"/>
+              <a:t>ας ότι έχουμε μια κλάση Application A, και άλλες τρε</a:t>
+            </a:r>
+            <a:r>
+              <a:rPr lang="el-GR" sz="2200" dirty="0"/>
+              <a:t>ι</a:t>
+            </a:r>
+            <a:r>
+              <a:rPr lang="en-US" sz="2200" dirty="0"/>
+              <a:t>ς πα</a:t>
+            </a:r>
+            <a:r>
+              <a:rPr lang="en-US" sz="2200" dirty="0" err="1"/>
+              <a:t>νομοιότυ</a:t>
+            </a:r>
+            <a:r>
+              <a:rPr lang="en-US" sz="2200" dirty="0"/>
+              <a:t>πες κλάσεις.</a:t>
+            </a:r>
+          </a:p>
+          <a:p>
+            <a:pPr marL="0"/>
+            <a:r>
+              <a:rPr lang="en-US" sz="2200" dirty="0" err="1"/>
+              <a:t>Όλες</a:t>
+            </a:r>
+            <a:r>
+              <a:rPr lang="en-US" sz="2200" dirty="0"/>
+              <a:t> </a:t>
+            </a:r>
+            <a:r>
+              <a:rPr lang="en-US" sz="2200" dirty="0" err="1"/>
+              <a:t>έχουν</a:t>
+            </a:r>
+            <a:r>
+              <a:rPr lang="en-US" sz="2200" dirty="0"/>
+              <a:t> login και register, </a:t>
+            </a:r>
+            <a:r>
+              <a:rPr lang="en-US" sz="2200" dirty="0" err="1"/>
+              <a:t>με</a:t>
+            </a:r>
+            <a:r>
+              <a:rPr lang="en-US" sz="2200" dirty="0"/>
+              <a:t> </a:t>
+            </a:r>
+            <a:r>
+              <a:rPr lang="en-US" sz="2200" dirty="0" err="1"/>
+              <a:t>δι</a:t>
+            </a:r>
+            <a:r>
+              <a:rPr lang="en-US" sz="2200" dirty="0"/>
+              <a:t>αφορετικούς λογαριασμούς.</a:t>
+            </a:r>
+          </a:p>
+          <a:p>
+            <a:pPr marL="0"/>
+            <a:r>
+              <a:rPr lang="en-US" sz="2200" dirty="0" err="1"/>
+              <a:t>Χρησιμο</a:t>
+            </a:r>
+            <a:r>
+              <a:rPr lang="en-US" sz="2200" dirty="0"/>
+              <a:t>ποιώντας το Federated Identity Pattern, θα λύσουμε το πρόβλημα που προέκυψε.</a:t>
+            </a:r>
+          </a:p>
+        </p:txBody>
+      </p:sp>
+      <p:pic>
+        <p:nvPicPr>
+          <p:cNvPr id="5" name="Content Placeholder 4">
+            <a:extLst>
+              <a:ext uri="{FF2B5EF4-FFF2-40B4-BE49-F238E27FC236}">
+                <a16:creationId xmlns:a16="http://schemas.microsoft.com/office/drawing/2014/main" id="{F9D7423A-9FD1-57C6-51AD-1E92A73F0822}"/>
+              </a:ext>
+            </a:extLst>
+          </p:cNvPr>
+          <p:cNvPicPr>
+            <a:picLocks noGrp="1" noChangeAspect="1"/>
+          </p:cNvPicPr>
+          <p:nvPr>
+            <p:ph sz="half" idx="1"/>
+          </p:nvPr>
+        </p:nvPicPr>
+        <p:blipFill rotWithShape="1">
+          <a:blip r:embed="rId2"/>
+          <a:srcRect r="2" b="1258"/>
+          <a:stretch/>
+        </p:blipFill>
+        <p:spPr>
+          <a:xfrm>
+            <a:off x="6335270" y="2276857"/>
+            <a:ext cx="5015484" cy="3900106"/>
+          </a:xfrm>
+          <a:prstGeom prst="rect">
+            <a:avLst/>
+          </a:prstGeom>
+        </p:spPr>
+      </p:pic>
     </p:spTree>
     <p:extLst>
       <p:ext uri="{BB962C8B-B14F-4D97-AF65-F5344CB8AC3E}">
         <p14:creationId xmlns:p14="http://schemas.microsoft.com/office/powerpoint/2010/main" val="2093213371"/>
+      </p:ext>
+    </p:extLst>
+  </p:cSld>
+  <p:clrMapOvr>
+    <a:masterClrMapping/>
+  </p:clrMapOvr>
+</p:sld>
+</file>
+
+<file path=ppt/slides/slide7.xml><?xml version="1.0" encoding="utf-8"?>
+<p:sld xmlns:a="http://schemas.openxmlformats.org/drawingml/2006/main" xmlns:r="http://schemas.openxmlformats.org/officeDocument/2006/relationships" xmlns:p="http://schemas.openxmlformats.org/presentationml/2006/main">
+  <p:cSld>
+    <p:bg>
+      <p:bgPr>
+        <a:solidFill>
+          <a:schemeClr val="bg1"/>
+        </a:solidFill>
+        <a:effectLst/>
+      </p:bgPr>
+    </p:bg>
+    <p:spTree>
+      <p:nvGrpSpPr>
+        <p:cNvPr id="1" name=""/>
+        <p:cNvGrpSpPr/>
+        <p:nvPr/>
+      </p:nvGrpSpPr>
+      <p:grpSpPr>
+        <a:xfrm>
+          <a:off x="0" y="0"/>
+          <a:ext cx="0" cy="0"/>
+          <a:chOff x="0" y="0"/>
+          <a:chExt cx="0" cy="0"/>
+        </a:xfrm>
+      </p:grpSpPr>
+      <p:sp>
+        <p:nvSpPr>
+          <p:cNvPr id="13" name="Rectangle 12">
+            <a:extLst>
+              <a:ext uri="{FF2B5EF4-FFF2-40B4-BE49-F238E27FC236}">
+                <a16:creationId xmlns:a16="http://schemas.microsoft.com/office/drawing/2014/main" id="{4B6ECB93-D7FF-4F09-A8ED-D4588EE7C7DA}"/>
+              </a:ext>
+              <a:ext uri="{C183D7F6-B498-43B3-948B-1728B52AA6E4}">
+                <adec:decorative xmlns:adec="http://schemas.microsoft.com/office/drawing/2017/decorative" val="1"/>
+              </a:ext>
+            </a:extLst>
+          </p:cNvPr>
+          <p:cNvSpPr>
+            <a:spLocks noGrp="1" noRot="1" noChangeAspect="1" noMove="1" noResize="1" noEditPoints="1" noAdjustHandles="1" noChangeArrowheads="1" noChangeShapeType="1" noTextEdit="1"/>
+          </p:cNvSpPr>
+          <p:nvPr>
+            <p:extLst>
+              <p:ext uri="{386F3935-93C4-4BCD-93E2-E3B085C9AB24}">
+                <p16:designElem xmlns:p16="http://schemas.microsoft.com/office/powerpoint/2015/main" val="1"/>
+              </p:ext>
+            </p:extLst>
+          </p:nvPr>
+        </p:nvSpPr>
+        <p:spPr>
+          <a:xfrm>
+            <a:off x="0" y="0"/>
+            <a:ext cx="12192000" cy="6858000"/>
+          </a:xfrm>
+          <a:prstGeom prst="rect">
+            <a:avLst/>
+          </a:prstGeom>
+          <a:solidFill>
+            <a:schemeClr val="bg1"/>
+          </a:solidFill>
+          <a:ln w="12700" cap="flat" cmpd="sng" algn="ctr">
+            <a:noFill/>
+            <a:prstDash val="solid"/>
+            <a:miter lim="800000"/>
+          </a:ln>
+          <a:effectLst/>
+          <a:extLst>
+            <a:ext uri="{91240B29-F687-4F45-9708-019B960494DF}">
+              <a14:hiddenLine xmlns:a14="http://schemas.microsoft.com/office/drawing/2010/main" w="12700" cap="flat" cmpd="sng" algn="ctr">
+                <a:solidFill>
+                  <a:schemeClr val="accent1">
+                    <a:shade val="50000"/>
+                  </a:schemeClr>
+                </a:solidFill>
+                <a:prstDash val="solid"/>
+                <a:miter lim="800000"/>
+              </a14:hiddenLine>
+            </a:ext>
+          </a:extLst>
+        </p:spPr>
+        <p:style>
+          <a:lnRef idx="2">
+            <a:schemeClr val="accent1">
+              <a:shade val="50000"/>
+            </a:schemeClr>
+          </a:lnRef>
+          <a:fillRef idx="1">
+            <a:schemeClr val="accent1"/>
+          </a:fillRef>
+          <a:effectRef idx="0">
+            <a:schemeClr val="accent1"/>
+          </a:effectRef>
+          <a:fontRef idx="minor">
+            <a:schemeClr val="lt1"/>
+          </a:fontRef>
+        </p:style>
+        <p:txBody>
+          <a:bodyPr rtlCol="0" anchor="ctr"/>
+          <a:lstStyle/>
+          <a:p>
+            <a:pPr algn="ctr"/>
+            <a:endParaRPr lang="en-US"/>
+          </a:p>
+        </p:txBody>
+      </p:sp>
+      <p:sp>
+        <p:nvSpPr>
+          <p:cNvPr id="15" name="Rectangle 14">
+            <a:extLst>
+              <a:ext uri="{FF2B5EF4-FFF2-40B4-BE49-F238E27FC236}">
+                <a16:creationId xmlns:a16="http://schemas.microsoft.com/office/drawing/2014/main" id="{EBF87945-A001-489F-9D9B-7D9435F0B9CA}"/>
+              </a:ext>
+              <a:ext uri="{C183D7F6-B498-43B3-948B-1728B52AA6E4}">
+                <adec:decorative xmlns:adec="http://schemas.microsoft.com/office/drawing/2017/decorative" val="1"/>
+              </a:ext>
+            </a:extLst>
+          </p:cNvPr>
+          <p:cNvSpPr>
+            <a:spLocks noGrp="1" noRot="1" noChangeAspect="1" noMove="1" noResize="1" noEditPoints="1" noAdjustHandles="1" noChangeArrowheads="1" noChangeShapeType="1" noTextEdit="1"/>
+          </p:cNvSpPr>
+          <p:nvPr>
+            <p:extLst>
+              <p:ext uri="{386F3935-93C4-4BCD-93E2-E3B085C9AB24}">
+                <p16:designElem xmlns:p16="http://schemas.microsoft.com/office/powerpoint/2015/main" val="1"/>
+              </p:ext>
+            </p:extLst>
+          </p:nvPr>
+        </p:nvSpPr>
+        <p:spPr>
+          <a:xfrm>
+            <a:off x="0" y="1"/>
+            <a:ext cx="12192000" cy="1911096"/>
+          </a:xfrm>
+          <a:prstGeom prst="rect">
+            <a:avLst/>
+          </a:prstGeom>
+          <a:solidFill>
+            <a:schemeClr val="tx1">
+              <a:lumMod val="75000"/>
+              <a:lumOff val="25000"/>
+            </a:schemeClr>
+          </a:solidFill>
+          <a:ln>
+            <a:noFill/>
+          </a:ln>
+        </p:spPr>
+        <p:style>
+          <a:lnRef idx="2">
+            <a:schemeClr val="accent1">
+              <a:shade val="50000"/>
+            </a:schemeClr>
+          </a:lnRef>
+          <a:fillRef idx="1">
+            <a:schemeClr val="accent1"/>
+          </a:fillRef>
+          <a:effectRef idx="0">
+            <a:schemeClr val="accent1"/>
+          </a:effectRef>
+          <a:fontRef idx="minor">
+            <a:schemeClr val="lt1"/>
+          </a:fontRef>
+        </p:style>
+        <p:txBody>
+          <a:bodyPr rtlCol="0" anchor="ctr"/>
+          <a:lstStyle/>
+          <a:p>
+            <a:pPr algn="ctr"/>
+            <a:endParaRPr lang="en-US"/>
+          </a:p>
+        </p:txBody>
+      </p:sp>
+      <p:sp>
+        <p:nvSpPr>
+          <p:cNvPr id="2" name="Title 1">
+            <a:extLst>
+              <a:ext uri="{FF2B5EF4-FFF2-40B4-BE49-F238E27FC236}">
+                <a16:creationId xmlns:a16="http://schemas.microsoft.com/office/drawing/2014/main" id="{46C895A6-EEAE-30DF-0E0F-A9DFD81F6A68}"/>
+              </a:ext>
+            </a:extLst>
+          </p:cNvPr>
+          <p:cNvSpPr>
+            <a:spLocks noGrp="1"/>
+          </p:cNvSpPr>
+          <p:nvPr>
+            <p:ph type="title"/>
+          </p:nvPr>
+        </p:nvSpPr>
+        <p:spPr>
+          <a:xfrm>
+            <a:off x="838200" y="365760"/>
+            <a:ext cx="10515600" cy="1325563"/>
+          </a:xfrm>
+        </p:spPr>
+        <p:txBody>
+          <a:bodyPr vert="horz" lIns="91440" tIns="45720" rIns="91440" bIns="45720" rtlCol="0" anchor="ctr">
+            <a:normAutofit/>
+          </a:bodyPr>
+          <a:lstStyle/>
+          <a:p>
+            <a:r>
+              <a:rPr lang="en-US">
+                <a:solidFill>
+                  <a:schemeClr val="bg1"/>
+                </a:solidFill>
+              </a:rPr>
+              <a:t>ΤΟ FEDERATED IDENTITY PATTERN ΣΕ ΚΩΔΙΚΑ</a:t>
+            </a:r>
+          </a:p>
+        </p:txBody>
+      </p:sp>
+      <p:sp>
+        <p:nvSpPr>
+          <p:cNvPr id="4" name="Content Placeholder 3">
+            <a:extLst>
+              <a:ext uri="{FF2B5EF4-FFF2-40B4-BE49-F238E27FC236}">
+                <a16:creationId xmlns:a16="http://schemas.microsoft.com/office/drawing/2014/main" id="{3FD9308F-1868-98F1-4A00-ADECB3A041FC}"/>
+              </a:ext>
+            </a:extLst>
+          </p:cNvPr>
+          <p:cNvSpPr>
+            <a:spLocks noGrp="1"/>
+          </p:cNvSpPr>
+          <p:nvPr>
+            <p:ph sz="half" idx="2"/>
+          </p:nvPr>
+        </p:nvSpPr>
+        <p:spPr>
+          <a:xfrm>
+            <a:off x="841248" y="2276857"/>
+            <a:ext cx="5015484" cy="3900106"/>
+          </a:xfrm>
+        </p:spPr>
+        <p:txBody>
+          <a:bodyPr vert="horz" lIns="91440" tIns="45720" rIns="91440" bIns="45720" rtlCol="0" anchor="ctr">
+            <a:normAutofit/>
+          </a:bodyPr>
+          <a:lstStyle/>
+          <a:p>
+            <a:pPr marL="0"/>
+            <a:r>
+              <a:rPr lang="en-US" sz="2200"/>
+              <a:t>Φτιάχνουμε μια κεντρική κλάση, η οποία θα έχει όλες τις κλάσεις Application A, B, C. Ο χρήστης θα κάνει register στην κεντρική κλάση και αυτόματα κάνει register και στις κλάσεις Application.</a:t>
+            </a:r>
+          </a:p>
+        </p:txBody>
+      </p:sp>
+      <p:pic>
+        <p:nvPicPr>
+          <p:cNvPr id="8" name="Content Placeholder 7">
+            <a:extLst>
+              <a:ext uri="{FF2B5EF4-FFF2-40B4-BE49-F238E27FC236}">
+                <a16:creationId xmlns:a16="http://schemas.microsoft.com/office/drawing/2014/main" id="{970CD993-1B30-425D-CBA3-CF11C51AA20C}"/>
+              </a:ext>
+            </a:extLst>
+          </p:cNvPr>
+          <p:cNvPicPr>
+            <a:picLocks noGrp="1" noChangeAspect="1"/>
+          </p:cNvPicPr>
+          <p:nvPr>
+            <p:ph sz="half" idx="1"/>
+          </p:nvPr>
+        </p:nvPicPr>
+        <p:blipFill rotWithShape="1">
+          <a:blip r:embed="rId2"/>
+          <a:srcRect t="9060" r="1" b="15706"/>
+          <a:stretch/>
+        </p:blipFill>
+        <p:spPr>
+          <a:xfrm>
+            <a:off x="6335270" y="2057082"/>
+            <a:ext cx="5015484" cy="4435158"/>
+          </a:xfrm>
+          <a:prstGeom prst="rect">
+            <a:avLst/>
+          </a:prstGeom>
+        </p:spPr>
+      </p:pic>
+    </p:spTree>
+    <p:extLst>
+      <p:ext uri="{BB962C8B-B14F-4D97-AF65-F5344CB8AC3E}">
+        <p14:creationId xmlns:p14="http://schemas.microsoft.com/office/powerpoint/2010/main" val="841141530"/>
+      </p:ext>
+    </p:extLst>
+  </p:cSld>
+  <p:clrMapOvr>
+    <a:masterClrMapping/>
+  </p:clrMapOvr>
+</p:sld>
+</file>
+
+<file path=ppt/slides/slide8.xml><?xml version="1.0" encoding="utf-8"?>
+<p:sld xmlns:a="http://schemas.openxmlformats.org/drawingml/2006/main" xmlns:r="http://schemas.openxmlformats.org/officeDocument/2006/relationships" xmlns:p="http://schemas.openxmlformats.org/presentationml/2006/main">
+  <p:cSld>
+    <p:bg>
+      <p:bgPr>
+        <a:solidFill>
+          <a:schemeClr val="bg1"/>
+        </a:solidFill>
+        <a:effectLst/>
+      </p:bgPr>
+    </p:bg>
+    <p:spTree>
+      <p:nvGrpSpPr>
+        <p:cNvPr id="1" name=""/>
+        <p:cNvGrpSpPr/>
+        <p:nvPr/>
+      </p:nvGrpSpPr>
+      <p:grpSpPr>
+        <a:xfrm>
+          <a:off x="0" y="0"/>
+          <a:ext cx="0" cy="0"/>
+          <a:chOff x="0" y="0"/>
+          <a:chExt cx="0" cy="0"/>
+        </a:xfrm>
+      </p:grpSpPr>
+      <p:sp>
+        <p:nvSpPr>
+          <p:cNvPr id="15" name="Rectangle 14">
+            <a:extLst>
+              <a:ext uri="{FF2B5EF4-FFF2-40B4-BE49-F238E27FC236}">
+                <a16:creationId xmlns:a16="http://schemas.microsoft.com/office/drawing/2014/main" id="{7CA0DAA6-33B8-4A25-810D-2F4D816FB40E}"/>
+              </a:ext>
+              <a:ext uri="{C183D7F6-B498-43B3-948B-1728B52AA6E4}">
+                <adec:decorative xmlns:adec="http://schemas.microsoft.com/office/drawing/2017/decorative" val="1"/>
+              </a:ext>
+            </a:extLst>
+          </p:cNvPr>
+          <p:cNvSpPr>
+            <a:spLocks noGrp="1" noRot="1" noChangeAspect="1" noMove="1" noResize="1" noEditPoints="1" noAdjustHandles="1" noChangeArrowheads="1" noChangeShapeType="1" noTextEdit="1"/>
+          </p:cNvSpPr>
+          <p:nvPr>
+            <p:extLst>
+              <p:ext uri="{386F3935-93C4-4BCD-93E2-E3B085C9AB24}">
+                <p16:designElem xmlns:p16="http://schemas.microsoft.com/office/powerpoint/2015/main" val="1"/>
+              </p:ext>
+            </p:extLst>
+          </p:nvPr>
+        </p:nvSpPr>
+        <p:spPr bwMode="white">
+          <a:xfrm>
+            <a:off x="0" y="0"/>
+            <a:ext cx="4654297" cy="6858000"/>
+          </a:xfrm>
+          <a:prstGeom prst="rect">
+            <a:avLst/>
+          </a:prstGeom>
+          <a:solidFill>
+            <a:schemeClr val="tx1">
+              <a:lumMod val="85000"/>
+              <a:lumOff val="15000"/>
+            </a:schemeClr>
+          </a:solidFill>
+          <a:ln>
+            <a:noFill/>
+          </a:ln>
+        </p:spPr>
+        <p:style>
+          <a:lnRef idx="2">
+            <a:schemeClr val="accent1">
+              <a:shade val="50000"/>
+            </a:schemeClr>
+          </a:lnRef>
+          <a:fillRef idx="1">
+            <a:schemeClr val="accent1"/>
+          </a:fillRef>
+          <a:effectRef idx="0">
+            <a:schemeClr val="accent1"/>
+          </a:effectRef>
+          <a:fontRef idx="minor">
+            <a:schemeClr val="lt1"/>
+          </a:fontRef>
+        </p:style>
+        <p:txBody>
+          <a:bodyPr rtlCol="0" anchor="ctr"/>
+          <a:lstStyle/>
+          <a:p>
+            <a:pPr algn="ctr"/>
+            <a:endParaRPr lang="en-US"/>
+          </a:p>
+        </p:txBody>
+      </p:sp>
+      <p:sp>
+        <p:nvSpPr>
+          <p:cNvPr id="2" name="Title 1">
+            <a:extLst>
+              <a:ext uri="{FF2B5EF4-FFF2-40B4-BE49-F238E27FC236}">
+                <a16:creationId xmlns:a16="http://schemas.microsoft.com/office/drawing/2014/main" id="{E3AF8488-7A6A-3F0A-DC21-0C1866A17B97}"/>
+              </a:ext>
+            </a:extLst>
+          </p:cNvPr>
+          <p:cNvSpPr>
+            <a:spLocks noGrp="1"/>
+          </p:cNvSpPr>
+          <p:nvPr>
+            <p:ph type="title"/>
+          </p:nvPr>
+        </p:nvSpPr>
+        <p:spPr>
+          <a:xfrm>
+            <a:off x="651307" y="640081"/>
+            <a:ext cx="3377183" cy="3681976"/>
+          </a:xfrm>
+          <a:noFill/>
+        </p:spPr>
+        <p:txBody>
+          <a:bodyPr vert="horz" lIns="91440" tIns="45720" rIns="91440" bIns="45720" rtlCol="0" anchor="b">
+            <a:normAutofit/>
+          </a:bodyPr>
+          <a:lstStyle/>
+          <a:p>
+            <a:r>
+              <a:rPr lang="en-US" sz="4100" kern="1200">
+                <a:solidFill>
+                  <a:schemeClr val="bg1"/>
+                </a:solidFill>
+                <a:latin typeface="+mj-lt"/>
+                <a:ea typeface="+mj-ea"/>
+                <a:cs typeface="+mj-cs"/>
+              </a:rPr>
+              <a:t>CLASS DIAGRAM ΤΟΥ FEDERATED IDENTITY PATTERN</a:t>
+            </a:r>
+          </a:p>
+        </p:txBody>
+      </p:sp>
+      <p:pic>
+        <p:nvPicPr>
+          <p:cNvPr id="23" name="Content Placeholder 22">
+            <a:extLst>
+              <a:ext uri="{FF2B5EF4-FFF2-40B4-BE49-F238E27FC236}">
+                <a16:creationId xmlns:a16="http://schemas.microsoft.com/office/drawing/2014/main" id="{20E4F1F8-78C4-FA52-D3A0-CFED00D18973}"/>
+              </a:ext>
+            </a:extLst>
+          </p:cNvPr>
+          <p:cNvPicPr>
+            <a:picLocks noGrp="1" noChangeAspect="1"/>
+          </p:cNvPicPr>
+          <p:nvPr>
+            <p:ph idx="1"/>
+          </p:nvPr>
+        </p:nvPicPr>
+        <p:blipFill>
+          <a:blip r:embed="rId2"/>
+          <a:stretch>
+            <a:fillRect/>
+          </a:stretch>
+        </p:blipFill>
+        <p:spPr>
+          <a:xfrm>
+            <a:off x="5186538" y="1052433"/>
+            <a:ext cx="5677692" cy="4324954"/>
+          </a:xfrm>
+        </p:spPr>
+      </p:pic>
+    </p:spTree>
+    <p:extLst>
+      <p:ext uri="{BB962C8B-B14F-4D97-AF65-F5344CB8AC3E}">
+        <p14:creationId xmlns:p14="http://schemas.microsoft.com/office/powerpoint/2010/main" val="2710246598"/>
+      </p:ext>
+    </p:extLst>
+  </p:cSld>
+  <p:clrMapOvr>
+    <a:masterClrMapping/>
+  </p:clrMapOvr>
+</p:sld>
+</file>
+
+<file path=ppt/slides/slide9.xml><?xml version="1.0" encoding="utf-8"?>
+<p:sld xmlns:a="http://schemas.openxmlformats.org/drawingml/2006/main" xmlns:r="http://schemas.openxmlformats.org/officeDocument/2006/relationships" xmlns:p="http://schemas.openxmlformats.org/presentationml/2006/main">
+  <p:cSld>
+    <p:bg>
+      <p:bgPr>
+        <a:solidFill>
+          <a:schemeClr val="bg1"/>
+        </a:solidFill>
+        <a:effectLst/>
+      </p:bgPr>
+    </p:bg>
+    <p:spTree>
+      <p:nvGrpSpPr>
+        <p:cNvPr id="1" name=""/>
+        <p:cNvGrpSpPr/>
+        <p:nvPr/>
+      </p:nvGrpSpPr>
+      <p:grpSpPr>
+        <a:xfrm>
+          <a:off x="0" y="0"/>
+          <a:ext cx="0" cy="0"/>
+          <a:chOff x="0" y="0"/>
+          <a:chExt cx="0" cy="0"/>
+        </a:xfrm>
+      </p:grpSpPr>
+      <p:sp>
+        <p:nvSpPr>
+          <p:cNvPr id="10" name="Rectangle 9">
+            <a:extLst>
+              <a:ext uri="{FF2B5EF4-FFF2-40B4-BE49-F238E27FC236}">
+                <a16:creationId xmlns:a16="http://schemas.microsoft.com/office/drawing/2014/main" id="{DE7FFD28-545C-4C88-A2E7-152FB234C92C}"/>
+              </a:ext>
+              <a:ext uri="{C183D7F6-B498-43B3-948B-1728B52AA6E4}">
+                <adec:decorative xmlns:adec="http://schemas.microsoft.com/office/drawing/2017/decorative" val="1"/>
+              </a:ext>
+            </a:extLst>
+          </p:cNvPr>
+          <p:cNvSpPr>
+            <a:spLocks noGrp="1" noRot="1" noChangeAspect="1" noMove="1" noResize="1" noEditPoints="1" noAdjustHandles="1" noChangeArrowheads="1" noChangeShapeType="1" noTextEdit="1"/>
+          </p:cNvSpPr>
+          <p:nvPr>
+            <p:extLst>
+              <p:ext uri="{386F3935-93C4-4BCD-93E2-E3B085C9AB24}">
+                <p16:designElem xmlns:p16="http://schemas.microsoft.com/office/powerpoint/2015/main" val="1"/>
+              </p:ext>
+            </p:extLst>
+          </p:nvPr>
+        </p:nvSpPr>
+        <p:spPr>
+          <a:xfrm>
+            <a:off x="0" y="0"/>
+            <a:ext cx="12192000" cy="1911350"/>
+          </a:xfrm>
+          <a:prstGeom prst="rect">
+            <a:avLst/>
+          </a:prstGeom>
+          <a:solidFill>
+            <a:schemeClr val="accent5"/>
+          </a:solidFill>
+          <a:ln>
+            <a:noFill/>
+          </a:ln>
+        </p:spPr>
+        <p:style>
+          <a:lnRef idx="2">
+            <a:schemeClr val="accent1">
+              <a:shade val="50000"/>
+            </a:schemeClr>
+          </a:lnRef>
+          <a:fillRef idx="1">
+            <a:schemeClr val="accent1"/>
+          </a:fillRef>
+          <a:effectRef idx="0">
+            <a:schemeClr val="accent1"/>
+          </a:effectRef>
+          <a:fontRef idx="minor">
+            <a:schemeClr val="lt1"/>
+          </a:fontRef>
+        </p:style>
+        <p:txBody>
+          <a:bodyPr rtlCol="0" anchor="ctr"/>
+          <a:lstStyle/>
+          <a:p>
+            <a:pPr algn="ctr"/>
+            <a:endParaRPr lang="en-US"/>
+          </a:p>
+        </p:txBody>
+      </p:sp>
+      <p:sp>
+        <p:nvSpPr>
+          <p:cNvPr id="2" name="Title 1">
+            <a:extLst>
+              <a:ext uri="{FF2B5EF4-FFF2-40B4-BE49-F238E27FC236}">
+                <a16:creationId xmlns:a16="http://schemas.microsoft.com/office/drawing/2014/main" id="{32021B0F-4FBD-F33C-8138-3CA6192A83F2}"/>
+              </a:ext>
+            </a:extLst>
+          </p:cNvPr>
+          <p:cNvSpPr>
+            <a:spLocks noGrp="1"/>
+          </p:cNvSpPr>
+          <p:nvPr>
+            <p:ph type="title"/>
+          </p:nvPr>
+        </p:nvSpPr>
+        <p:spPr>
+          <a:xfrm>
+            <a:off x="838200" y="365125"/>
+            <a:ext cx="10515600" cy="1325563"/>
+          </a:xfrm>
+        </p:spPr>
+        <p:txBody>
+          <a:bodyPr>
+            <a:normAutofit/>
+          </a:bodyPr>
+          <a:lstStyle/>
+          <a:p>
+            <a:r>
+              <a:rPr lang="el-GR" sz="4600">
+                <a:solidFill>
+                  <a:srgbClr val="FFFFFF"/>
+                </a:solidFill>
+              </a:rPr>
+              <a:t>ΤΙ ΕΙΝΑΙ ΤΟ </a:t>
+            </a:r>
+            <a:r>
+              <a:rPr lang="en-US" sz="4600">
+                <a:solidFill>
+                  <a:srgbClr val="FFFFFF"/>
+                </a:solidFill>
+              </a:rPr>
+              <a:t>RETRY PATTERN</a:t>
+            </a:r>
+            <a:r>
+              <a:rPr lang="el-GR" sz="4600">
+                <a:solidFill>
+                  <a:srgbClr val="FFFFFF"/>
+                </a:solidFill>
+              </a:rPr>
+              <a:t>;</a:t>
+            </a:r>
+            <a:endParaRPr lang="en-US" sz="4600">
+              <a:solidFill>
+                <a:srgbClr val="FFFFFF"/>
+              </a:solidFill>
+            </a:endParaRPr>
+          </a:p>
+        </p:txBody>
+      </p:sp>
+      <p:sp>
+        <p:nvSpPr>
+          <p:cNvPr id="5" name="Content Placeholder 4">
+            <a:extLst>
+              <a:ext uri="{FF2B5EF4-FFF2-40B4-BE49-F238E27FC236}">
+                <a16:creationId xmlns:a16="http://schemas.microsoft.com/office/drawing/2014/main" id="{F4A35E6A-1C43-D594-183D-66F7EA2EC2A7}"/>
+              </a:ext>
+            </a:extLst>
+          </p:cNvPr>
+          <p:cNvSpPr>
+            <a:spLocks noGrp="1"/>
+          </p:cNvSpPr>
+          <p:nvPr>
+            <p:ph idx="1"/>
+          </p:nvPr>
+        </p:nvSpPr>
+        <p:spPr>
+          <a:xfrm>
+            <a:off x="838200" y="2438400"/>
+            <a:ext cx="10515600" cy="3738562"/>
+          </a:xfrm>
+        </p:spPr>
+        <p:txBody>
+          <a:bodyPr>
+            <a:normAutofit/>
+          </a:bodyPr>
+          <a:lstStyle/>
+          <a:p>
+            <a:pPr marL="0" indent="0">
+              <a:buNone/>
+            </a:pPr>
+            <a:r>
+              <a:rPr lang="en-US" sz="2600" dirty="0"/>
+              <a:t>To </a:t>
+            </a:r>
+            <a:r>
+              <a:rPr lang="el-GR" sz="2600" dirty="0"/>
+              <a:t>πρότυπο αυτό χειρίζεται εντολές από μία εφαρμογή σε κάποιον εξυπηρετητή. Πολλές φορές, μια διαδικασία (π.χ. ένα </a:t>
+            </a:r>
+            <a:r>
+              <a:rPr lang="en-US" sz="2600" dirty="0"/>
+              <a:t>request) </a:t>
+            </a:r>
+            <a:r>
+              <a:rPr lang="el-GR" sz="2600" dirty="0"/>
+              <a:t>μπορεί να αποτύχει, για οποιονδήποτε λόγο. </a:t>
+            </a:r>
+            <a:r>
+              <a:rPr lang="el-GR" sz="2600" b="1" dirty="0"/>
+              <a:t>Το</a:t>
+            </a:r>
+            <a:r>
+              <a:rPr lang="en-US" sz="2600" b="1" dirty="0"/>
+              <a:t> Retry Pattern</a:t>
+            </a:r>
+            <a:r>
+              <a:rPr lang="el-GR" sz="2600" b="1" dirty="0"/>
+              <a:t> σιγουρεύεται ότι θα ξαναπροσπαθήσει το σύστημα να κάνει την ίδια διαδικασία, αν αυτή αποτύχει.</a:t>
+            </a:r>
+            <a:endParaRPr lang="en-US" sz="2600" dirty="0"/>
+          </a:p>
+        </p:txBody>
+      </p:sp>
+    </p:spTree>
+    <p:extLst>
+      <p:ext uri="{BB962C8B-B14F-4D97-AF65-F5344CB8AC3E}">
+        <p14:creationId xmlns:p14="http://schemas.microsoft.com/office/powerpoint/2010/main" val="2691794478"/>
       </p:ext>
     </p:extLst>
   </p:cSld>

--- a/Exercise 3/Microsoft Design Patterns/Microsoft Design Patterns.pptx
+++ b/Exercise 3/Microsoft Design Patterns/Microsoft Design Patterns.pptx
@@ -117,6 +117,11 @@
       </a:defRPr>
     </a:lvl9pPr>
   </p:defaultTextStyle>
+  <p:extLst>
+    <p:ext uri="{EFAFB233-063F-42B5-8137-9DF3F51BA10A}">
+      <p15:sldGuideLst xmlns:p15="http://schemas.microsoft.com/office/powerpoint/2012/main"/>
+    </p:ext>
+  </p:extLst>
 </p:presentation>
 </file>
 
@@ -267,7 +272,7 @@
           <a:p>
             <a:fld id="{41AD1D10-FAAC-411A-AEB7-05F0F2847DF5}" type="datetimeFigureOut">
               <a:rPr lang="en-US" smtClean="0"/>
-              <a:t>11-Jul-22</a:t>
+              <a:t>13-Jul-22</a:t>
             </a:fld>
             <a:endParaRPr lang="en-US"/>
           </a:p>
@@ -465,7 +470,7 @@
           <a:p>
             <a:fld id="{41AD1D10-FAAC-411A-AEB7-05F0F2847DF5}" type="datetimeFigureOut">
               <a:rPr lang="en-US" smtClean="0"/>
-              <a:t>11-Jul-22</a:t>
+              <a:t>13-Jul-22</a:t>
             </a:fld>
             <a:endParaRPr lang="en-US"/>
           </a:p>
@@ -673,7 +678,7 @@
           <a:p>
             <a:fld id="{41AD1D10-FAAC-411A-AEB7-05F0F2847DF5}" type="datetimeFigureOut">
               <a:rPr lang="en-US" smtClean="0"/>
-              <a:t>11-Jul-22</a:t>
+              <a:t>13-Jul-22</a:t>
             </a:fld>
             <a:endParaRPr lang="en-US"/>
           </a:p>
@@ -871,7 +876,7 @@
           <a:p>
             <a:fld id="{41AD1D10-FAAC-411A-AEB7-05F0F2847DF5}" type="datetimeFigureOut">
               <a:rPr lang="en-US" smtClean="0"/>
-              <a:t>11-Jul-22</a:t>
+              <a:t>13-Jul-22</a:t>
             </a:fld>
             <a:endParaRPr lang="en-US"/>
           </a:p>
@@ -1146,7 +1151,7 @@
           <a:p>
             <a:fld id="{41AD1D10-FAAC-411A-AEB7-05F0F2847DF5}" type="datetimeFigureOut">
               <a:rPr lang="en-US" smtClean="0"/>
-              <a:t>11-Jul-22</a:t>
+              <a:t>13-Jul-22</a:t>
             </a:fld>
             <a:endParaRPr lang="en-US"/>
           </a:p>
@@ -1411,7 +1416,7 @@
           <a:p>
             <a:fld id="{41AD1D10-FAAC-411A-AEB7-05F0F2847DF5}" type="datetimeFigureOut">
               <a:rPr lang="en-US" smtClean="0"/>
-              <a:t>11-Jul-22</a:t>
+              <a:t>13-Jul-22</a:t>
             </a:fld>
             <a:endParaRPr lang="en-US"/>
           </a:p>
@@ -1823,7 +1828,7 @@
           <a:p>
             <a:fld id="{41AD1D10-FAAC-411A-AEB7-05F0F2847DF5}" type="datetimeFigureOut">
               <a:rPr lang="en-US" smtClean="0"/>
-              <a:t>11-Jul-22</a:t>
+              <a:t>13-Jul-22</a:t>
             </a:fld>
             <a:endParaRPr lang="en-US"/>
           </a:p>
@@ -1964,7 +1969,7 @@
           <a:p>
             <a:fld id="{41AD1D10-FAAC-411A-AEB7-05F0F2847DF5}" type="datetimeFigureOut">
               <a:rPr lang="en-US" smtClean="0"/>
-              <a:t>11-Jul-22</a:t>
+              <a:t>13-Jul-22</a:t>
             </a:fld>
             <a:endParaRPr lang="en-US"/>
           </a:p>
@@ -2077,7 +2082,7 @@
           <a:p>
             <a:fld id="{41AD1D10-FAAC-411A-AEB7-05F0F2847DF5}" type="datetimeFigureOut">
               <a:rPr lang="en-US" smtClean="0"/>
-              <a:t>11-Jul-22</a:t>
+              <a:t>13-Jul-22</a:t>
             </a:fld>
             <a:endParaRPr lang="en-US"/>
           </a:p>
@@ -2388,7 +2393,7 @@
           <a:p>
             <a:fld id="{41AD1D10-FAAC-411A-AEB7-05F0F2847DF5}" type="datetimeFigureOut">
               <a:rPr lang="en-US" smtClean="0"/>
-              <a:t>11-Jul-22</a:t>
+              <a:t>13-Jul-22</a:t>
             </a:fld>
             <a:endParaRPr lang="en-US"/>
           </a:p>
@@ -2676,7 +2681,7 @@
           <a:p>
             <a:fld id="{41AD1D10-FAAC-411A-AEB7-05F0F2847DF5}" type="datetimeFigureOut">
               <a:rPr lang="en-US" smtClean="0"/>
-              <a:t>11-Jul-22</a:t>
+              <a:t>13-Jul-22</a:t>
             </a:fld>
             <a:endParaRPr lang="en-US"/>
           </a:p>
@@ -2917,7 +2922,7 @@
           <a:p>
             <a:fld id="{41AD1D10-FAAC-411A-AEB7-05F0F2847DF5}" type="datetimeFigureOut">
               <a:rPr lang="en-US" smtClean="0"/>
-              <a:t>11-Jul-22</a:t>
+              <a:t>13-Jul-22</a:t>
             </a:fld>
             <a:endParaRPr lang="en-US"/>
           </a:p>
@@ -6159,23 +6164,23 @@
               <a:buNone/>
             </a:pPr>
             <a:r>
-              <a:rPr lang="en-US" sz="2600"/>
+              <a:rPr lang="en-US" sz="2600" dirty="0"/>
               <a:t>To Federated Identity Pattern </a:t>
             </a:r>
             <a:r>
-              <a:rPr lang="el-GR" sz="2600"/>
+              <a:rPr lang="el-GR" sz="2600" dirty="0"/>
               <a:t>είναι ένα πρότυπο ανάπτυξης, που, όπως λέει και το όνομά του, χρησιμοποιείται κυρίως, από</a:t>
             </a:r>
             <a:r>
-              <a:rPr lang="en-US" sz="2600"/>
+              <a:rPr lang="en-US" sz="2600" dirty="0"/>
               <a:t> </a:t>
             </a:r>
             <a:r>
-              <a:rPr lang="el-GR" sz="2600"/>
+              <a:rPr lang="el-GR" sz="2600" dirty="0"/>
               <a:t>οργανισμούς. </a:t>
             </a:r>
             <a:r>
-              <a:rPr lang="el-GR" sz="2600" b="1"/>
+              <a:rPr lang="el-GR" sz="2600" b="1" dirty="0"/>
               <a:t>Το πρότυπο αυτό, σιγουρεύεται ότι οι χρήστες ενός οργανισμού ή μιας εταιρείας, θα μπορούν να εξασφαλίσουν την «ομοσπονδιακή ταυτότητά» τους. </a:t>
             </a:r>
           </a:p>
@@ -6574,7 +6579,7 @@
           <a:lstStyle/>
           <a:p>
             <a:r>
-              <a:rPr lang="el-GR" sz="2600"/>
+              <a:rPr lang="el-GR" sz="2600" dirty="0"/>
               <a:t>Φτιάχνοντας ένα κεντρικό σύστημα σύνδεσης και αποσύνδεσης χρηστών.</a:t>
             </a:r>
           </a:p>
@@ -6583,8 +6588,25 @@
               <a:buNone/>
             </a:pPr>
             <a:r>
-              <a:rPr lang="el-GR" sz="2600"/>
+              <a:rPr lang="el-GR" sz="2600" dirty="0"/>
               <a:t>Το σύστημα αυτό θα συνδέεται με όλες τις εφαρμογές, που χρησιμοποεί η εταιρεία. Επίσης, θα κρυπτογραφεί τους κωδικούς που χρησιμοποιούνται από κάθε χρήστη και θα τους εξασφαλίζει την «ομοσπονδιακή ταυτότητα».</a:t>
+            </a:r>
+          </a:p>
+          <a:p>
+            <a:pPr marL="0" indent="0">
+              <a:buNone/>
+            </a:pPr>
+            <a:r>
+              <a:rPr lang="el-GR" sz="2600" dirty="0"/>
+              <a:t>Κάθε εφαρμογή παράγει το δικό της </a:t>
+            </a:r>
+            <a:r>
+              <a:rPr lang="en-US" sz="2600" dirty="0"/>
+              <a:t>Token </a:t>
+            </a:r>
+            <a:r>
+              <a:rPr lang="el-GR" sz="2600" dirty="0"/>
+              <a:t>και δίνει τη δυνατότητα στον υπάλληλο της εταιρείας να μπορεί να συνδέεται σε όλες τις συνεργαζόμενες υπηρεσίες.</a:t>
             </a:r>
           </a:p>
         </p:txBody>
@@ -6801,7 +6823,7 @@
           <a:lstStyle/>
           <a:p>
             <a:r>
-              <a:rPr lang="en-US">
+              <a:rPr lang="en-US" dirty="0">
                 <a:solidFill>
                   <a:schemeClr val="bg1"/>
                 </a:solidFill>
@@ -6884,24 +6906,12 @@
               <a:t>έχουν</a:t>
             </a:r>
             <a:r>
+              <a:rPr lang="el-GR" sz="2200" dirty="0"/>
+              <a:t> έχουν την δυνατότητα να παράγουν </a:t>
+            </a:r>
+            <a:r>
               <a:rPr lang="en-US" sz="2200" dirty="0"/>
-              <a:t> login και register, </a:t>
-            </a:r>
-            <a:r>
-              <a:rPr lang="en-US" sz="2200" dirty="0" err="1"/>
-              <a:t>με</a:t>
-            </a:r>
-            <a:r>
-              <a:rPr lang="en-US" sz="2200" dirty="0"/>
-              <a:t> </a:t>
-            </a:r>
-            <a:r>
-              <a:rPr lang="en-US" sz="2200" dirty="0" err="1"/>
-              <a:t>δι</a:t>
-            </a:r>
-            <a:r>
-              <a:rPr lang="en-US" sz="2200" dirty="0"/>
-              <a:t>αφορετικούς λογαριασμούς.</a:t>
+              <a:t>tokens.</a:t>
             </a:r>
           </a:p>
           <a:p>
@@ -6934,8 +6944,14 @@
           </p:nvPr>
         </p:nvPicPr>
         <p:blipFill rotWithShape="1">
-          <a:blip r:embed="rId2"/>
-          <a:srcRect r="2" b="1258"/>
+          <a:blip r:embed="rId2">
+            <a:extLst>
+              <a:ext uri="{28A0092B-C50C-407E-A947-70E740481C1C}">
+                <a14:useLocalDpi xmlns:a14="http://schemas.microsoft.com/office/drawing/2010/main" val="0"/>
+              </a:ext>
+            </a:extLst>
+          </a:blip>
+          <a:srcRect l="1976" t="-16710" b="-25217"/>
           <a:stretch/>
         </p:blipFill>
         <p:spPr>
@@ -7198,10 +7214,72 @@
           </a:bodyPr>
           <a:lstStyle/>
           <a:p>
-            <a:pPr marL="0"/>
-            <a:r>
-              <a:rPr lang="en-US" sz="2200"/>
-              <a:t>Φτιάχνουμε μια κεντρική κλάση, η οποία θα έχει όλες τις κλάσεις Application A, B, C. Ο χρήστης θα κάνει register στην κεντρική κλάση και αυτόματα κάνει register και στις κλάσεις Application.</a:t>
+            <a:pPr marL="0" indent="0">
+              <a:buNone/>
+            </a:pPr>
+            <a:r>
+              <a:rPr lang="en-US" sz="2200" dirty="0" err="1"/>
+              <a:t>Φτιάχνουμε</a:t>
+            </a:r>
+            <a:r>
+              <a:rPr lang="en-US" sz="2200" dirty="0"/>
+              <a:t> </a:t>
+            </a:r>
+            <a:r>
+              <a:rPr lang="en-US" sz="2200" dirty="0" err="1"/>
+              <a:t>μι</a:t>
+            </a:r>
+            <a:r>
+              <a:rPr lang="en-US" sz="2200" dirty="0"/>
+              <a:t>α κεντρική κλάση, η οποία θα έχει όλες τις κλάσεις Application A, B, C. Ο </a:t>
+            </a:r>
+            <a:r>
+              <a:rPr lang="en-US" sz="2200" dirty="0" err="1"/>
+              <a:t>χρήστης</a:t>
+            </a:r>
+            <a:r>
+              <a:rPr lang="en-US" sz="2200" dirty="0"/>
+              <a:t> θα </a:t>
+            </a:r>
+            <a:r>
+              <a:rPr lang="en-US" sz="2200" dirty="0" err="1"/>
+              <a:t>κάνει</a:t>
+            </a:r>
+            <a:r>
+              <a:rPr lang="en-US" sz="2200" dirty="0"/>
+              <a:t> register </a:t>
+            </a:r>
+            <a:r>
+              <a:rPr lang="en-US" sz="2200" dirty="0" err="1"/>
+              <a:t>στην</a:t>
+            </a:r>
+            <a:r>
+              <a:rPr lang="en-US" sz="2200" dirty="0"/>
+              <a:t> </a:t>
+            </a:r>
+            <a:r>
+              <a:rPr lang="en-US" sz="2200" dirty="0" err="1"/>
+              <a:t>κεντρική</a:t>
+            </a:r>
+            <a:r>
+              <a:rPr lang="en-US" sz="2200" dirty="0"/>
+              <a:t> </a:t>
+            </a:r>
+            <a:r>
+              <a:rPr lang="en-US" sz="2200" dirty="0" err="1"/>
+              <a:t>κλάση</a:t>
+            </a:r>
+            <a:r>
+              <a:rPr lang="en-US" sz="2200" dirty="0"/>
+              <a:t> και α</a:t>
+            </a:r>
+            <a:r>
+              <a:rPr lang="en-US" sz="2200" dirty="0" err="1"/>
+              <a:t>υτόμ</a:t>
+            </a:r>
+            <a:r>
+              <a:rPr lang="en-US" sz="2200" dirty="0"/>
+              <a:t>ατα κάνει register και στις κλάσεις Application.</a:t>
             </a:r>
           </a:p>
         </p:txBody>
@@ -7223,8 +7301,14 @@
           </p:nvPr>
         </p:nvPicPr>
         <p:blipFill rotWithShape="1">
-          <a:blip r:embed="rId2"/>
-          <a:srcRect t="9060" r="1" b="15706"/>
+          <a:blip r:embed="rId2">
+            <a:extLst>
+              <a:ext uri="{28A0092B-C50C-407E-A947-70E740481C1C}">
+                <a14:useLocalDpi xmlns:a14="http://schemas.microsoft.com/office/drawing/2010/main" val="0"/>
+              </a:ext>
+            </a:extLst>
+          </a:blip>
+          <a:srcRect l="4315" t="-12610" r="5233" b="-15367"/>
           <a:stretch/>
         </p:blipFill>
         <p:spPr>
